--- a/tutorial/T05/tut05.pptx
+++ b/tutorial/T05/tut05.pptx
@@ -147,6 +147,834 @@
 
 <file path=ppt/changesInfos/changesInfo1.xml><?xml version="1.0" encoding="utf-8"?>
 <pc:chgInfo xmlns:a="http://schemas.openxmlformats.org/drawingml/2006/main" xmlns:r="http://schemas.openxmlformats.org/officeDocument/2006/relationships" xmlns:ac="http://schemas.microsoft.com/office/drawing/2013/main/command" xmlns:pc="http://schemas.microsoft.com/office/powerpoint/2013/main/command">
+  <pc:docChgLst>
+    <pc:chgData name="Wu Shaofeng" userId="16cc59afe9483dd5" providerId="LiveId" clId="{086831F4-73F0-4B2A-9E99-CFE60BABC8FC}"/>
+    <pc:docChg chg="undo custSel addSld delSld modSld sldOrd">
+      <pc:chgData name="Wu Shaofeng" userId="16cc59afe9483dd5" providerId="LiveId" clId="{086831F4-73F0-4B2A-9E99-CFE60BABC8FC}" dt="2023-02-15T08:54:18.342" v="1150" actId="1076"/>
+      <pc:docMkLst>
+        <pc:docMk/>
+      </pc:docMkLst>
+      <pc:sldChg chg="modSp mod">
+        <pc:chgData name="Wu Shaofeng" userId="16cc59afe9483dd5" providerId="LiveId" clId="{086831F4-73F0-4B2A-9E99-CFE60BABC8FC}" dt="2023-02-15T08:53:58.641" v="1148" actId="20577"/>
+        <pc:sldMkLst>
+          <pc:docMk/>
+          <pc:sldMk cId="3989273170" sldId="283"/>
+        </pc:sldMkLst>
+        <pc:spChg chg="mod">
+          <ac:chgData name="Wu Shaofeng" userId="16cc59afe9483dd5" providerId="LiveId" clId="{086831F4-73F0-4B2A-9E99-CFE60BABC8FC}" dt="2023-02-15T08:53:58.641" v="1148" actId="20577"/>
+          <ac:spMkLst>
+            <pc:docMk/>
+            <pc:sldMk cId="3989273170" sldId="283"/>
+            <ac:spMk id="3" creationId="{C9CF56E3-9650-2A84-69E6-07F31B846A47}"/>
+          </ac:spMkLst>
+        </pc:spChg>
+      </pc:sldChg>
+      <pc:sldChg chg="modSp mod">
+        <pc:chgData name="Wu Shaofeng" userId="16cc59afe9483dd5" providerId="LiveId" clId="{086831F4-73F0-4B2A-9E99-CFE60BABC8FC}" dt="2023-02-15T07:48:35.336" v="90" actId="113"/>
+        <pc:sldMkLst>
+          <pc:docMk/>
+          <pc:sldMk cId="3636389437" sldId="304"/>
+        </pc:sldMkLst>
+        <pc:spChg chg="mod">
+          <ac:chgData name="Wu Shaofeng" userId="16cc59afe9483dd5" providerId="LiveId" clId="{086831F4-73F0-4B2A-9E99-CFE60BABC8FC}" dt="2023-02-15T07:48:35.336" v="90" actId="113"/>
+          <ac:spMkLst>
+            <pc:docMk/>
+            <pc:sldMk cId="3636389437" sldId="304"/>
+            <ac:spMk id="6" creationId="{8EBC1EB5-CC0B-4B28-8C34-2A8CC3BD4C49}"/>
+          </ac:spMkLst>
+        </pc:spChg>
+      </pc:sldChg>
+      <pc:sldChg chg="delSp modSp del mod">
+        <pc:chgData name="Wu Shaofeng" userId="16cc59afe9483dd5" providerId="LiveId" clId="{086831F4-73F0-4B2A-9E99-CFE60BABC8FC}" dt="2023-02-15T08:39:58.168" v="1120" actId="47"/>
+        <pc:sldMkLst>
+          <pc:docMk/>
+          <pc:sldMk cId="2927651869" sldId="305"/>
+        </pc:sldMkLst>
+        <pc:spChg chg="del mod">
+          <ac:chgData name="Wu Shaofeng" userId="16cc59afe9483dd5" providerId="LiveId" clId="{086831F4-73F0-4B2A-9E99-CFE60BABC8FC}" dt="2023-02-15T08:29:04.526" v="1024" actId="21"/>
+          <ac:spMkLst>
+            <pc:docMk/>
+            <pc:sldMk cId="2927651869" sldId="305"/>
+            <ac:spMk id="10" creationId="{121AB99F-C25D-0857-E552-02E67A14674F}"/>
+          </ac:spMkLst>
+        </pc:spChg>
+      </pc:sldChg>
+      <pc:sldChg chg="delSp modSp mod">
+        <pc:chgData name="Wu Shaofeng" userId="16cc59afe9483dd5" providerId="LiveId" clId="{086831F4-73F0-4B2A-9E99-CFE60BABC8FC}" dt="2023-02-15T08:27:44.974" v="1022" actId="1076"/>
+        <pc:sldMkLst>
+          <pc:docMk/>
+          <pc:sldMk cId="4026226368" sldId="306"/>
+        </pc:sldMkLst>
+        <pc:spChg chg="del">
+          <ac:chgData name="Wu Shaofeng" userId="16cc59afe9483dd5" providerId="LiveId" clId="{086831F4-73F0-4B2A-9E99-CFE60BABC8FC}" dt="2023-02-15T08:27:21.611" v="1014" actId="478"/>
+          <ac:spMkLst>
+            <pc:docMk/>
+            <pc:sldMk cId="4026226368" sldId="306"/>
+            <ac:spMk id="6" creationId="{8EBC1EB5-CC0B-4B28-8C34-2A8CC3BD4C49}"/>
+          </ac:spMkLst>
+        </pc:spChg>
+        <pc:spChg chg="mod">
+          <ac:chgData name="Wu Shaofeng" userId="16cc59afe9483dd5" providerId="LiveId" clId="{086831F4-73F0-4B2A-9E99-CFE60BABC8FC}" dt="2023-02-15T08:27:44.974" v="1022" actId="1076"/>
+          <ac:spMkLst>
+            <pc:docMk/>
+            <pc:sldMk cId="4026226368" sldId="306"/>
+            <ac:spMk id="10" creationId="{121AB99F-C25D-0857-E552-02E67A14674F}"/>
+          </ac:spMkLst>
+        </pc:spChg>
+      </pc:sldChg>
+      <pc:sldChg chg="modSp mod">
+        <pc:chgData name="Wu Shaofeng" userId="16cc59afe9483dd5" providerId="LiveId" clId="{086831F4-73F0-4B2A-9E99-CFE60BABC8FC}" dt="2023-02-15T08:19:50.748" v="780" actId="1076"/>
+        <pc:sldMkLst>
+          <pc:docMk/>
+          <pc:sldMk cId="3539225801" sldId="310"/>
+        </pc:sldMkLst>
+        <pc:spChg chg="mod">
+          <ac:chgData name="Wu Shaofeng" userId="16cc59afe9483dd5" providerId="LiveId" clId="{086831F4-73F0-4B2A-9E99-CFE60BABC8FC}" dt="2023-02-15T08:01:04.765" v="461" actId="20577"/>
+          <ac:spMkLst>
+            <pc:docMk/>
+            <pc:sldMk cId="3539225801" sldId="310"/>
+            <ac:spMk id="6" creationId="{8EBC1EB5-CC0B-4B28-8C34-2A8CC3BD4C49}"/>
+          </ac:spMkLst>
+        </pc:spChg>
+        <pc:spChg chg="mod">
+          <ac:chgData name="Wu Shaofeng" userId="16cc59afe9483dd5" providerId="LiveId" clId="{086831F4-73F0-4B2A-9E99-CFE60BABC8FC}" dt="2023-02-15T08:19:50.748" v="780" actId="1076"/>
+          <ac:spMkLst>
+            <pc:docMk/>
+            <pc:sldMk cId="3539225801" sldId="310"/>
+            <ac:spMk id="10" creationId="{121AB99F-C25D-0857-E552-02E67A14674F}"/>
+          </ac:spMkLst>
+        </pc:spChg>
+      </pc:sldChg>
+      <pc:sldChg chg="addSp delSp modSp del mod">
+        <pc:chgData name="Wu Shaofeng" userId="16cc59afe9483dd5" providerId="LiveId" clId="{086831F4-73F0-4B2A-9E99-CFE60BABC8FC}" dt="2023-02-15T08:27:09.908" v="1011" actId="47"/>
+        <pc:sldMkLst>
+          <pc:docMk/>
+          <pc:sldMk cId="1074606415" sldId="311"/>
+        </pc:sldMkLst>
+        <pc:spChg chg="add del">
+          <ac:chgData name="Wu Shaofeng" userId="16cc59afe9483dd5" providerId="LiveId" clId="{086831F4-73F0-4B2A-9E99-CFE60BABC8FC}" dt="2023-02-15T08:12:21.430" v="605" actId="478"/>
+          <ac:spMkLst>
+            <pc:docMk/>
+            <pc:sldMk cId="1074606415" sldId="311"/>
+            <ac:spMk id="6" creationId="{8EBC1EB5-CC0B-4B28-8C34-2A8CC3BD4C49}"/>
+          </ac:spMkLst>
+        </pc:spChg>
+        <pc:spChg chg="del mod">
+          <ac:chgData name="Wu Shaofeng" userId="16cc59afe9483dd5" providerId="LiveId" clId="{086831F4-73F0-4B2A-9E99-CFE60BABC8FC}" dt="2023-02-15T08:01:50.775" v="468"/>
+          <ac:spMkLst>
+            <pc:docMk/>
+            <pc:sldMk cId="1074606415" sldId="311"/>
+            <ac:spMk id="10" creationId="{121AB99F-C25D-0857-E552-02E67A14674F}"/>
+          </ac:spMkLst>
+        </pc:spChg>
+        <pc:graphicFrameChg chg="add del mod">
+          <ac:chgData name="Wu Shaofeng" userId="16cc59afe9483dd5" providerId="LiveId" clId="{086831F4-73F0-4B2A-9E99-CFE60BABC8FC}" dt="2023-02-15T08:12:29.524" v="607"/>
+          <ac:graphicFrameMkLst>
+            <pc:docMk/>
+            <pc:sldMk cId="1074606415" sldId="311"/>
+            <ac:graphicFrameMk id="3" creationId="{C29691FB-F08B-13AD-7155-3D605A183F78}"/>
+          </ac:graphicFrameMkLst>
+        </pc:graphicFrameChg>
+        <pc:graphicFrameChg chg="add del mod">
+          <ac:chgData name="Wu Shaofeng" userId="16cc59afe9483dd5" providerId="LiveId" clId="{086831F4-73F0-4B2A-9E99-CFE60BABC8FC}" dt="2023-02-15T08:12:29.524" v="607"/>
+          <ac:graphicFrameMkLst>
+            <pc:docMk/>
+            <pc:sldMk cId="1074606415" sldId="311"/>
+            <ac:graphicFrameMk id="5" creationId="{08B33CA6-F460-359B-F99D-8878C537CA11}"/>
+          </ac:graphicFrameMkLst>
+        </pc:graphicFrameChg>
+        <pc:graphicFrameChg chg="add del mod">
+          <ac:chgData name="Wu Shaofeng" userId="16cc59afe9483dd5" providerId="LiveId" clId="{086831F4-73F0-4B2A-9E99-CFE60BABC8FC}" dt="2023-02-15T08:12:29.524" v="607"/>
+          <ac:graphicFrameMkLst>
+            <pc:docMk/>
+            <pc:sldMk cId="1074606415" sldId="311"/>
+            <ac:graphicFrameMk id="7" creationId="{ACAF41E0-CD3B-BBDB-5F07-80D9BEEA2F97}"/>
+          </ac:graphicFrameMkLst>
+        </pc:graphicFrameChg>
+        <pc:graphicFrameChg chg="add del mod">
+          <ac:chgData name="Wu Shaofeng" userId="16cc59afe9483dd5" providerId="LiveId" clId="{086831F4-73F0-4B2A-9E99-CFE60BABC8FC}" dt="2023-02-15T08:12:20.517" v="603"/>
+          <ac:graphicFrameMkLst>
+            <pc:docMk/>
+            <pc:sldMk cId="1074606415" sldId="311"/>
+            <ac:graphicFrameMk id="9" creationId="{FBE9A88E-899D-C8D9-6C47-1A0D171E1BD9}"/>
+          </ac:graphicFrameMkLst>
+        </pc:graphicFrameChg>
+        <pc:graphicFrameChg chg="add del mod">
+          <ac:chgData name="Wu Shaofeng" userId="16cc59afe9483dd5" providerId="LiveId" clId="{086831F4-73F0-4B2A-9E99-CFE60BABC8FC}" dt="2023-02-15T08:12:20.517" v="603"/>
+          <ac:graphicFrameMkLst>
+            <pc:docMk/>
+            <pc:sldMk cId="1074606415" sldId="311"/>
+            <ac:graphicFrameMk id="11" creationId="{24FAB439-3E75-3E84-09BE-0F0549BC5FDF}"/>
+          </ac:graphicFrameMkLst>
+        </pc:graphicFrameChg>
+        <pc:graphicFrameChg chg="add del mod">
+          <ac:chgData name="Wu Shaofeng" userId="16cc59afe9483dd5" providerId="LiveId" clId="{086831F4-73F0-4B2A-9E99-CFE60BABC8FC}" dt="2023-02-15T08:12:20.517" v="603"/>
+          <ac:graphicFrameMkLst>
+            <pc:docMk/>
+            <pc:sldMk cId="1074606415" sldId="311"/>
+            <ac:graphicFrameMk id="12" creationId="{8BC0A09B-46D1-07FA-E152-CD14858B1150}"/>
+          </ac:graphicFrameMkLst>
+        </pc:graphicFrameChg>
+        <pc:picChg chg="add del mod">
+          <ac:chgData name="Wu Shaofeng" userId="16cc59afe9483dd5" providerId="LiveId" clId="{086831F4-73F0-4B2A-9E99-CFE60BABC8FC}" dt="2023-02-15T08:12:29.524" v="607"/>
+          <ac:picMkLst>
+            <pc:docMk/>
+            <pc:sldMk cId="1074606415" sldId="311"/>
+            <ac:picMk id="2" creationId="{98B611A1-D77A-B30A-BDD5-E83CB37E0E17}"/>
+          </ac:picMkLst>
+        </pc:picChg>
+        <pc:picChg chg="add del mod">
+          <ac:chgData name="Wu Shaofeng" userId="16cc59afe9483dd5" providerId="LiveId" clId="{086831F4-73F0-4B2A-9E99-CFE60BABC8FC}" dt="2023-02-15T08:12:20.517" v="603"/>
+          <ac:picMkLst>
+            <pc:docMk/>
+            <pc:sldMk cId="1074606415" sldId="311"/>
+            <ac:picMk id="8" creationId="{F9EAC0A6-7ED7-EF1C-428E-12A6E5758C57}"/>
+          </ac:picMkLst>
+        </pc:picChg>
+      </pc:sldChg>
+      <pc:sldChg chg="modSp mod">
+        <pc:chgData name="Wu Shaofeng" userId="16cc59afe9483dd5" providerId="LiveId" clId="{086831F4-73F0-4B2A-9E99-CFE60BABC8FC}" dt="2023-02-15T08:51:31.523" v="1143" actId="113"/>
+        <pc:sldMkLst>
+          <pc:docMk/>
+          <pc:sldMk cId="3194260040" sldId="312"/>
+        </pc:sldMkLst>
+        <pc:spChg chg="mod">
+          <ac:chgData name="Wu Shaofeng" userId="16cc59afe9483dd5" providerId="LiveId" clId="{086831F4-73F0-4B2A-9E99-CFE60BABC8FC}" dt="2023-02-15T08:51:31.523" v="1143" actId="113"/>
+          <ac:spMkLst>
+            <pc:docMk/>
+            <pc:sldMk cId="3194260040" sldId="312"/>
+            <ac:spMk id="3" creationId="{C9CF56E3-9650-2A84-69E6-07F31B846A47}"/>
+          </ac:spMkLst>
+        </pc:spChg>
+      </pc:sldChg>
+      <pc:sldChg chg="addSp delSp modSp mod">
+        <pc:chgData name="Wu Shaofeng" userId="16cc59afe9483dd5" providerId="LiveId" clId="{086831F4-73F0-4B2A-9E99-CFE60BABC8FC}" dt="2023-02-15T08:39:32.890" v="1119" actId="1076"/>
+        <pc:sldMkLst>
+          <pc:docMk/>
+          <pc:sldMk cId="837519824" sldId="313"/>
+        </pc:sldMkLst>
+        <pc:spChg chg="add del mod">
+          <ac:chgData name="Wu Shaofeng" userId="16cc59afe9483dd5" providerId="LiveId" clId="{086831F4-73F0-4B2A-9E99-CFE60BABC8FC}" dt="2023-02-15T08:29:13.048" v="1034"/>
+          <ac:spMkLst>
+            <pc:docMk/>
+            <pc:sldMk cId="837519824" sldId="313"/>
+            <ac:spMk id="2" creationId="{19DE5866-FA4C-8D6C-877D-81EA525A908A}"/>
+          </ac:spMkLst>
+        </pc:spChg>
+        <pc:spChg chg="add mod">
+          <ac:chgData name="Wu Shaofeng" userId="16cc59afe9483dd5" providerId="LiveId" clId="{086831F4-73F0-4B2A-9E99-CFE60BABC8FC}" dt="2023-02-15T08:39:32.890" v="1119" actId="1076"/>
+          <ac:spMkLst>
+            <pc:docMk/>
+            <pc:sldMk cId="837519824" sldId="313"/>
+            <ac:spMk id="3" creationId="{68A7B00B-8412-FD89-C057-F6A117D90D09}"/>
+          </ac:spMkLst>
+        </pc:spChg>
+        <pc:spChg chg="add del mod">
+          <ac:chgData name="Wu Shaofeng" userId="16cc59afe9483dd5" providerId="LiveId" clId="{086831F4-73F0-4B2A-9E99-CFE60BABC8FC}" dt="2023-02-15T08:39:02.643" v="1109" actId="20577"/>
+          <ac:spMkLst>
+            <pc:docMk/>
+            <pc:sldMk cId="837519824" sldId="313"/>
+            <ac:spMk id="6" creationId="{8EBC1EB5-CC0B-4B28-8C34-2A8CC3BD4C49}"/>
+          </ac:spMkLst>
+        </pc:spChg>
+        <pc:spChg chg="mod">
+          <ac:chgData name="Wu Shaofeng" userId="16cc59afe9483dd5" providerId="LiveId" clId="{086831F4-73F0-4B2A-9E99-CFE60BABC8FC}" dt="2023-02-15T08:29:12.715" v="1032" actId="5793"/>
+          <ac:spMkLst>
+            <pc:docMk/>
+            <pc:sldMk cId="837519824" sldId="313"/>
+            <ac:spMk id="10" creationId="{121AB99F-C25D-0857-E552-02E67A14674F}"/>
+          </ac:spMkLst>
+        </pc:spChg>
+      </pc:sldChg>
+      <pc:sldChg chg="modSp add mod">
+        <pc:chgData name="Wu Shaofeng" userId="16cc59afe9483dd5" providerId="LiveId" clId="{086831F4-73F0-4B2A-9E99-CFE60BABC8FC}" dt="2023-02-15T07:53:28.724" v="124" actId="20577"/>
+        <pc:sldMkLst>
+          <pc:docMk/>
+          <pc:sldMk cId="2690971255" sldId="314"/>
+        </pc:sldMkLst>
+        <pc:spChg chg="mod">
+          <ac:chgData name="Wu Shaofeng" userId="16cc59afe9483dd5" providerId="LiveId" clId="{086831F4-73F0-4B2A-9E99-CFE60BABC8FC}" dt="2023-02-15T07:53:28.724" v="124" actId="20577"/>
+          <ac:spMkLst>
+            <pc:docMk/>
+            <pc:sldMk cId="2690971255" sldId="314"/>
+            <ac:spMk id="6" creationId="{8EBC1EB5-CC0B-4B28-8C34-2A8CC3BD4C49}"/>
+          </ac:spMkLst>
+        </pc:spChg>
+        <pc:spChg chg="mod">
+          <ac:chgData name="Wu Shaofeng" userId="16cc59afe9483dd5" providerId="LiveId" clId="{086831F4-73F0-4B2A-9E99-CFE60BABC8FC}" dt="2023-02-15T07:49:57.696" v="92" actId="20577"/>
+          <ac:spMkLst>
+            <pc:docMk/>
+            <pc:sldMk cId="2690971255" sldId="314"/>
+            <ac:spMk id="10" creationId="{121AB99F-C25D-0857-E552-02E67A14674F}"/>
+          </ac:spMkLst>
+        </pc:spChg>
+      </pc:sldChg>
+      <pc:sldChg chg="addSp delSp modSp add mod">
+        <pc:chgData name="Wu Shaofeng" userId="16cc59afe9483dd5" providerId="LiveId" clId="{086831F4-73F0-4B2A-9E99-CFE60BABC8FC}" dt="2023-02-15T08:54:18.342" v="1150" actId="1076"/>
+        <pc:sldMkLst>
+          <pc:docMk/>
+          <pc:sldMk cId="1643051224" sldId="315"/>
+        </pc:sldMkLst>
+        <pc:spChg chg="add mod">
+          <ac:chgData name="Wu Shaofeng" userId="16cc59afe9483dd5" providerId="LiveId" clId="{086831F4-73F0-4B2A-9E99-CFE60BABC8FC}" dt="2023-02-15T08:02:35.484" v="497" actId="1036"/>
+          <ac:spMkLst>
+            <pc:docMk/>
+            <pc:sldMk cId="1643051224" sldId="315"/>
+            <ac:spMk id="2" creationId="{14BA0E67-A038-A117-7C06-BE8C0629CF11}"/>
+          </ac:spMkLst>
+        </pc:spChg>
+        <pc:spChg chg="add mod">
+          <ac:chgData name="Wu Shaofeng" userId="16cc59afe9483dd5" providerId="LiveId" clId="{086831F4-73F0-4B2A-9E99-CFE60BABC8FC}" dt="2023-02-15T08:02:48.923" v="517" actId="1076"/>
+          <ac:spMkLst>
+            <pc:docMk/>
+            <pc:sldMk cId="1643051224" sldId="315"/>
+            <ac:spMk id="3" creationId="{60B83806-B736-F60A-3AA7-EDB60631FD2A}"/>
+          </ac:spMkLst>
+        </pc:spChg>
+        <pc:spChg chg="mod">
+          <ac:chgData name="Wu Shaofeng" userId="16cc59afe9483dd5" providerId="LiveId" clId="{086831F4-73F0-4B2A-9E99-CFE60BABC8FC}" dt="2023-02-15T08:02:53.878" v="521" actId="20577"/>
+          <ac:spMkLst>
+            <pc:docMk/>
+            <pc:sldMk cId="1643051224" sldId="315"/>
+            <ac:spMk id="6" creationId="{8EBC1EB5-CC0B-4B28-8C34-2A8CC3BD4C49}"/>
+          </ac:spMkLst>
+        </pc:spChg>
+        <pc:spChg chg="mod">
+          <ac:chgData name="Wu Shaofeng" userId="16cc59afe9483dd5" providerId="LiveId" clId="{086831F4-73F0-4B2A-9E99-CFE60BABC8FC}" dt="2023-02-15T08:54:18.342" v="1150" actId="1076"/>
+          <ac:spMkLst>
+            <pc:docMk/>
+            <pc:sldMk cId="1643051224" sldId="315"/>
+            <ac:spMk id="10" creationId="{121AB99F-C25D-0857-E552-02E67A14674F}"/>
+          </ac:spMkLst>
+        </pc:spChg>
+        <pc:graphicFrameChg chg="add del mod modGraphic">
+          <ac:chgData name="Wu Shaofeng" userId="16cc59afe9483dd5" providerId="LiveId" clId="{086831F4-73F0-4B2A-9E99-CFE60BABC8FC}" dt="2023-02-15T08:54:15.730" v="1149" actId="478"/>
+          <ac:graphicFrameMkLst>
+            <pc:docMk/>
+            <pc:sldMk cId="1643051224" sldId="315"/>
+            <ac:graphicFrameMk id="7" creationId="{D398DD8F-00FC-28B1-82F1-3B4E9EC22A86}"/>
+          </ac:graphicFrameMkLst>
+        </pc:graphicFrameChg>
+        <pc:graphicFrameChg chg="add del mod">
+          <ac:chgData name="Wu Shaofeng" userId="16cc59afe9483dd5" providerId="LiveId" clId="{086831F4-73F0-4B2A-9E99-CFE60BABC8FC}" dt="2023-02-15T08:54:15.730" v="1149" actId="478"/>
+          <ac:graphicFrameMkLst>
+            <pc:docMk/>
+            <pc:sldMk cId="1643051224" sldId="315"/>
+            <ac:graphicFrameMk id="8" creationId="{B9BEEA00-D98D-CD0E-B006-84D4C434152F}"/>
+          </ac:graphicFrameMkLst>
+        </pc:graphicFrameChg>
+        <pc:graphicFrameChg chg="add del mod">
+          <ac:chgData name="Wu Shaofeng" userId="16cc59afe9483dd5" providerId="LiveId" clId="{086831F4-73F0-4B2A-9E99-CFE60BABC8FC}" dt="2023-02-15T08:54:15.730" v="1149" actId="478"/>
+          <ac:graphicFrameMkLst>
+            <pc:docMk/>
+            <pc:sldMk cId="1643051224" sldId="315"/>
+            <ac:graphicFrameMk id="9" creationId="{8229DC4A-6DFB-4681-8821-AF5AA3070CB9}"/>
+          </ac:graphicFrameMkLst>
+        </pc:graphicFrameChg>
+        <pc:picChg chg="add del mod">
+          <ac:chgData name="Wu Shaofeng" userId="16cc59afe9483dd5" providerId="LiveId" clId="{086831F4-73F0-4B2A-9E99-CFE60BABC8FC}" dt="2023-02-15T08:54:15.730" v="1149" actId="478"/>
+          <ac:picMkLst>
+            <pc:docMk/>
+            <pc:sldMk cId="1643051224" sldId="315"/>
+            <ac:picMk id="5" creationId="{D210C5BB-E543-1732-DA6C-8AAE44DE9E56}"/>
+          </ac:picMkLst>
+        </pc:picChg>
+      </pc:sldChg>
+      <pc:sldChg chg="addSp delSp modSp add mod ord">
+        <pc:chgData name="Wu Shaofeng" userId="16cc59afe9483dd5" providerId="LiveId" clId="{086831F4-73F0-4B2A-9E99-CFE60BABC8FC}" dt="2023-02-15T08:25:13.051" v="907" actId="478"/>
+        <pc:sldMkLst>
+          <pc:docMk/>
+          <pc:sldMk cId="2513592794" sldId="316"/>
+        </pc:sldMkLst>
+        <pc:spChg chg="del">
+          <ac:chgData name="Wu Shaofeng" userId="16cc59afe9483dd5" providerId="LiveId" clId="{086831F4-73F0-4B2A-9E99-CFE60BABC8FC}" dt="2023-02-15T08:13:32.435" v="613" actId="478"/>
+          <ac:spMkLst>
+            <pc:docMk/>
+            <pc:sldMk cId="2513592794" sldId="316"/>
+            <ac:spMk id="6" creationId="{8EBC1EB5-CC0B-4B28-8C34-2A8CC3BD4C49}"/>
+          </ac:spMkLst>
+        </pc:spChg>
+        <pc:spChg chg="add del mod">
+          <ac:chgData name="Wu Shaofeng" userId="16cc59afe9483dd5" providerId="LiveId" clId="{086831F4-73F0-4B2A-9E99-CFE60BABC8FC}" dt="2023-02-15T08:13:43.571" v="621" actId="478"/>
+          <ac:spMkLst>
+            <pc:docMk/>
+            <pc:sldMk cId="2513592794" sldId="316"/>
+            <ac:spMk id="8" creationId="{69899A9F-63F8-B0F3-BA10-7938EB453707}"/>
+          </ac:spMkLst>
+        </pc:spChg>
+        <pc:spChg chg="add mod">
+          <ac:chgData name="Wu Shaofeng" userId="16cc59afe9483dd5" providerId="LiveId" clId="{086831F4-73F0-4B2A-9E99-CFE60BABC8FC}" dt="2023-02-15T08:16:16.407" v="705" actId="403"/>
+          <ac:spMkLst>
+            <pc:docMk/>
+            <pc:sldMk cId="2513592794" sldId="316"/>
+            <ac:spMk id="9" creationId="{752389F3-45A2-11FF-5615-5E668B9C9B08}"/>
+          </ac:spMkLst>
+        </pc:spChg>
+        <pc:spChg chg="add del mod">
+          <ac:chgData name="Wu Shaofeng" userId="16cc59afe9483dd5" providerId="LiveId" clId="{086831F4-73F0-4B2A-9E99-CFE60BABC8FC}" dt="2023-02-15T08:15:20.690" v="679" actId="478"/>
+          <ac:spMkLst>
+            <pc:docMk/>
+            <pc:sldMk cId="2513592794" sldId="316"/>
+            <ac:spMk id="10" creationId="{A092B9F4-E692-FBAC-96CC-0E9961957F28}"/>
+          </ac:spMkLst>
+        </pc:spChg>
+        <pc:spChg chg="add mod">
+          <ac:chgData name="Wu Shaofeng" userId="16cc59afe9483dd5" providerId="LiveId" clId="{086831F4-73F0-4B2A-9E99-CFE60BABC8FC}" dt="2023-02-15T08:21:54.524" v="825" actId="2711"/>
+          <ac:spMkLst>
+            <pc:docMk/>
+            <pc:sldMk cId="2513592794" sldId="316"/>
+            <ac:spMk id="19" creationId="{64AB2707-AB57-85F4-9C02-A25A9DC4E140}"/>
+          </ac:spMkLst>
+        </pc:spChg>
+        <pc:spChg chg="add mod">
+          <ac:chgData name="Wu Shaofeng" userId="16cc59afe9483dd5" providerId="LiveId" clId="{086831F4-73F0-4B2A-9E99-CFE60BABC8FC}" dt="2023-02-15T08:19:09.986" v="779" actId="1037"/>
+          <ac:spMkLst>
+            <pc:docMk/>
+            <pc:sldMk cId="2513592794" sldId="316"/>
+            <ac:spMk id="20" creationId="{E021A8E7-2428-8F36-F392-560B89ACAD4F}"/>
+          </ac:spMkLst>
+        </pc:spChg>
+        <pc:spChg chg="add mod">
+          <ac:chgData name="Wu Shaofeng" userId="16cc59afe9483dd5" providerId="LiveId" clId="{086831F4-73F0-4B2A-9E99-CFE60BABC8FC}" dt="2023-02-15T08:19:09.986" v="779" actId="1037"/>
+          <ac:spMkLst>
+            <pc:docMk/>
+            <pc:sldMk cId="2513592794" sldId="316"/>
+            <ac:spMk id="21" creationId="{9DA17683-13EB-90DB-0BD9-36AA02593E77}"/>
+          </ac:spMkLst>
+        </pc:spChg>
+        <pc:spChg chg="add mod">
+          <ac:chgData name="Wu Shaofeng" userId="16cc59afe9483dd5" providerId="LiveId" clId="{086831F4-73F0-4B2A-9E99-CFE60BABC8FC}" dt="2023-02-15T08:21:25.108" v="810" actId="1076"/>
+          <ac:spMkLst>
+            <pc:docMk/>
+            <pc:sldMk cId="2513592794" sldId="316"/>
+            <ac:spMk id="34" creationId="{4907D05E-0602-2EBD-5EDB-3866E8492CB3}"/>
+          </ac:spMkLst>
+        </pc:spChg>
+        <pc:spChg chg="add del mod">
+          <ac:chgData name="Wu Shaofeng" userId="16cc59afe9483dd5" providerId="LiveId" clId="{086831F4-73F0-4B2A-9E99-CFE60BABC8FC}" dt="2023-02-15T08:21:29.580" v="813" actId="478"/>
+          <ac:spMkLst>
+            <pc:docMk/>
+            <pc:sldMk cId="2513592794" sldId="316"/>
+            <ac:spMk id="35" creationId="{76D999A1-70EE-DDCE-D666-C123AADCD053}"/>
+          </ac:spMkLst>
+        </pc:spChg>
+        <pc:spChg chg="add mod">
+          <ac:chgData name="Wu Shaofeng" userId="16cc59afe9483dd5" providerId="LiveId" clId="{086831F4-73F0-4B2A-9E99-CFE60BABC8FC}" dt="2023-02-15T08:21:54.524" v="825" actId="2711"/>
+          <ac:spMkLst>
+            <pc:docMk/>
+            <pc:sldMk cId="2513592794" sldId="316"/>
+            <ac:spMk id="36" creationId="{93AE569E-B4D4-4985-664C-9AE32883AC93}"/>
+          </ac:spMkLst>
+        </pc:spChg>
+        <pc:spChg chg="add del mod">
+          <ac:chgData name="Wu Shaofeng" userId="16cc59afe9483dd5" providerId="LiveId" clId="{086831F4-73F0-4B2A-9E99-CFE60BABC8FC}" dt="2023-02-15T08:25:09.568" v="905"/>
+          <ac:spMkLst>
+            <pc:docMk/>
+            <pc:sldMk cId="2513592794" sldId="316"/>
+            <ac:spMk id="39" creationId="{7F8BEB98-AD5A-5193-2765-16A56BF66DAE}"/>
+          </ac:spMkLst>
+        </pc:spChg>
+        <pc:graphicFrameChg chg="add mod">
+          <ac:chgData name="Wu Shaofeng" userId="16cc59afe9483dd5" providerId="LiveId" clId="{086831F4-73F0-4B2A-9E99-CFE60BABC8FC}" dt="2023-02-15T08:19:09.986" v="779" actId="1037"/>
+          <ac:graphicFrameMkLst>
+            <pc:docMk/>
+            <pc:sldMk cId="2513592794" sldId="316"/>
+            <ac:graphicFrameMk id="3" creationId="{D2C7E8CF-9290-CD6A-E31F-AD6BBA3C398C}"/>
+          </ac:graphicFrameMkLst>
+        </pc:graphicFrameChg>
+        <pc:graphicFrameChg chg="add mod">
+          <ac:chgData name="Wu Shaofeng" userId="16cc59afe9483dd5" providerId="LiveId" clId="{086831F4-73F0-4B2A-9E99-CFE60BABC8FC}" dt="2023-02-15T08:19:09.986" v="779" actId="1037"/>
+          <ac:graphicFrameMkLst>
+            <pc:docMk/>
+            <pc:sldMk cId="2513592794" sldId="316"/>
+            <ac:graphicFrameMk id="5" creationId="{B7C72ABB-DFC9-F1C5-313D-EECC60F6F1A9}"/>
+          </ac:graphicFrameMkLst>
+        </pc:graphicFrameChg>
+        <pc:graphicFrameChg chg="add del mod">
+          <ac:chgData name="Wu Shaofeng" userId="16cc59afe9483dd5" providerId="LiveId" clId="{086831F4-73F0-4B2A-9E99-CFE60BABC8FC}" dt="2023-02-15T08:14:35.619" v="668" actId="478"/>
+          <ac:graphicFrameMkLst>
+            <pc:docMk/>
+            <pc:sldMk cId="2513592794" sldId="316"/>
+            <ac:graphicFrameMk id="7" creationId="{576F4CFA-EA8A-6825-67AD-8C3C7DD063DB}"/>
+          </ac:graphicFrameMkLst>
+        </pc:graphicFrameChg>
+        <pc:graphicFrameChg chg="add del mod">
+          <ac:chgData name="Wu Shaofeng" userId="16cc59afe9483dd5" providerId="LiveId" clId="{086831F4-73F0-4B2A-9E99-CFE60BABC8FC}" dt="2023-02-15T08:14:50.683" v="673" actId="478"/>
+          <ac:graphicFrameMkLst>
+            <pc:docMk/>
+            <pc:sldMk cId="2513592794" sldId="316"/>
+            <ac:graphicFrameMk id="12" creationId="{C5513096-4B17-22BA-CEBD-11E90B842AAB}"/>
+          </ac:graphicFrameMkLst>
+        </pc:graphicFrameChg>
+        <pc:graphicFrameChg chg="add del mod">
+          <ac:chgData name="Wu Shaofeng" userId="16cc59afe9483dd5" providerId="LiveId" clId="{086831F4-73F0-4B2A-9E99-CFE60BABC8FC}" dt="2023-02-15T08:14:50.683" v="673" actId="478"/>
+          <ac:graphicFrameMkLst>
+            <pc:docMk/>
+            <pc:sldMk cId="2513592794" sldId="316"/>
+            <ac:graphicFrameMk id="13" creationId="{5E28A335-78FE-FBF6-2D7D-BDB32AFB750C}"/>
+          </ac:graphicFrameMkLst>
+        </pc:graphicFrameChg>
+        <pc:graphicFrameChg chg="add del mod">
+          <ac:chgData name="Wu Shaofeng" userId="16cc59afe9483dd5" providerId="LiveId" clId="{086831F4-73F0-4B2A-9E99-CFE60BABC8FC}" dt="2023-02-15T08:14:50.683" v="673" actId="478"/>
+          <ac:graphicFrameMkLst>
+            <pc:docMk/>
+            <pc:sldMk cId="2513592794" sldId="316"/>
+            <ac:graphicFrameMk id="14" creationId="{16D64B3B-4E45-23D7-9FC9-F594BC61BB33}"/>
+          </ac:graphicFrameMkLst>
+        </pc:graphicFrameChg>
+        <pc:graphicFrameChg chg="add del mod">
+          <ac:chgData name="Wu Shaofeng" userId="16cc59afe9483dd5" providerId="LiveId" clId="{086831F4-73F0-4B2A-9E99-CFE60BABC8FC}" dt="2023-02-15T08:15:22.004" v="680" actId="478"/>
+          <ac:graphicFrameMkLst>
+            <pc:docMk/>
+            <pc:sldMk cId="2513592794" sldId="316"/>
+            <ac:graphicFrameMk id="16" creationId="{66493F86-1C84-399F-4F9E-B6236D0881E4}"/>
+          </ac:graphicFrameMkLst>
+        </pc:graphicFrameChg>
+        <pc:graphicFrameChg chg="add del mod">
+          <ac:chgData name="Wu Shaofeng" userId="16cc59afe9483dd5" providerId="LiveId" clId="{086831F4-73F0-4B2A-9E99-CFE60BABC8FC}" dt="2023-02-15T08:15:20.690" v="679" actId="478"/>
+          <ac:graphicFrameMkLst>
+            <pc:docMk/>
+            <pc:sldMk cId="2513592794" sldId="316"/>
+            <ac:graphicFrameMk id="17" creationId="{B8A383D0-CB64-2E32-031E-47A9504DBC93}"/>
+          </ac:graphicFrameMkLst>
+        </pc:graphicFrameChg>
+        <pc:graphicFrameChg chg="add mod">
+          <ac:chgData name="Wu Shaofeng" userId="16cc59afe9483dd5" providerId="LiveId" clId="{086831F4-73F0-4B2A-9E99-CFE60BABC8FC}" dt="2023-02-15T08:17:31.357" v="707" actId="1076"/>
+          <ac:graphicFrameMkLst>
+            <pc:docMk/>
+            <pc:sldMk cId="2513592794" sldId="316"/>
+            <ac:graphicFrameMk id="18" creationId="{14D47A20-0473-EAE9-F8F1-1F630FA8B685}"/>
+          </ac:graphicFrameMkLst>
+        </pc:graphicFrameChg>
+        <pc:picChg chg="add mod">
+          <ac:chgData name="Wu Shaofeng" userId="16cc59afe9483dd5" providerId="LiveId" clId="{086831F4-73F0-4B2A-9E99-CFE60BABC8FC}" dt="2023-02-15T08:19:09.986" v="779" actId="1037"/>
+          <ac:picMkLst>
+            <pc:docMk/>
+            <pc:sldMk cId="2513592794" sldId="316"/>
+            <ac:picMk id="2" creationId="{198BB969-2045-BBBA-3439-3EEC2BE41102}"/>
+          </ac:picMkLst>
+        </pc:picChg>
+        <pc:picChg chg="add del mod">
+          <ac:chgData name="Wu Shaofeng" userId="16cc59afe9483dd5" providerId="LiveId" clId="{086831F4-73F0-4B2A-9E99-CFE60BABC8FC}" dt="2023-02-15T08:14:50.683" v="673" actId="478"/>
+          <ac:picMkLst>
+            <pc:docMk/>
+            <pc:sldMk cId="2513592794" sldId="316"/>
+            <ac:picMk id="11" creationId="{7993FFFA-5FF3-589C-72F3-A3BCBB52C5FC}"/>
+          </ac:picMkLst>
+        </pc:picChg>
+        <pc:picChg chg="add del mod">
+          <ac:chgData name="Wu Shaofeng" userId="16cc59afe9483dd5" providerId="LiveId" clId="{086831F4-73F0-4B2A-9E99-CFE60BABC8FC}" dt="2023-02-15T08:15:20.690" v="679" actId="478"/>
+          <ac:picMkLst>
+            <pc:docMk/>
+            <pc:sldMk cId="2513592794" sldId="316"/>
+            <ac:picMk id="15" creationId="{AA6DCDEE-B5EC-1EDB-D08F-CEA0C8C8958A}"/>
+          </ac:picMkLst>
+        </pc:picChg>
+        <pc:cxnChg chg="add del mod">
+          <ac:chgData name="Wu Shaofeng" userId="16cc59afe9483dd5" providerId="LiveId" clId="{086831F4-73F0-4B2A-9E99-CFE60BABC8FC}" dt="2023-02-15T08:20:06.829" v="784" actId="11529"/>
+          <ac:cxnSpMkLst>
+            <pc:docMk/>
+            <pc:sldMk cId="2513592794" sldId="316"/>
+            <ac:cxnSpMk id="23" creationId="{65F79033-ADED-91E4-33BF-8B36C6CD424F}"/>
+          </ac:cxnSpMkLst>
+        </pc:cxnChg>
+        <pc:cxnChg chg="add">
+          <ac:chgData name="Wu Shaofeng" userId="16cc59afe9483dd5" providerId="LiveId" clId="{086831F4-73F0-4B2A-9E99-CFE60BABC8FC}" dt="2023-02-15T08:20:15.084" v="785" actId="11529"/>
+          <ac:cxnSpMkLst>
+            <pc:docMk/>
+            <pc:sldMk cId="2513592794" sldId="316"/>
+            <ac:cxnSpMk id="25" creationId="{B0A62618-ED55-5CDD-77BC-AD36116462C8}"/>
+          </ac:cxnSpMkLst>
+        </pc:cxnChg>
+        <pc:cxnChg chg="add mod">
+          <ac:chgData name="Wu Shaofeng" userId="16cc59afe9483dd5" providerId="LiveId" clId="{086831F4-73F0-4B2A-9E99-CFE60BABC8FC}" dt="2023-02-15T08:20:26.728" v="789" actId="14100"/>
+          <ac:cxnSpMkLst>
+            <pc:docMk/>
+            <pc:sldMk cId="2513592794" sldId="316"/>
+            <ac:cxnSpMk id="26" creationId="{1112002F-C08F-19EB-04F1-14C92685F589}"/>
+          </ac:cxnSpMkLst>
+        </pc:cxnChg>
+        <pc:cxnChg chg="add mod">
+          <ac:chgData name="Wu Shaofeng" userId="16cc59afe9483dd5" providerId="LiveId" clId="{086831F4-73F0-4B2A-9E99-CFE60BABC8FC}" dt="2023-02-15T08:21:16.635" v="806" actId="692"/>
+          <ac:cxnSpMkLst>
+            <pc:docMk/>
+            <pc:sldMk cId="2513592794" sldId="316"/>
+            <ac:cxnSpMk id="29" creationId="{7D9E2665-144F-60C3-7DD7-69A7A33B715D}"/>
+          </ac:cxnSpMkLst>
+        </pc:cxnChg>
+        <pc:cxnChg chg="add mod">
+          <ac:chgData name="Wu Shaofeng" userId="16cc59afe9483dd5" providerId="LiveId" clId="{086831F4-73F0-4B2A-9E99-CFE60BABC8FC}" dt="2023-02-15T08:21:16.635" v="806" actId="692"/>
+          <ac:cxnSpMkLst>
+            <pc:docMk/>
+            <pc:sldMk cId="2513592794" sldId="316"/>
+            <ac:cxnSpMk id="30" creationId="{B8CCE475-B97A-0F2A-4EFF-13F931E6C6D5}"/>
+          </ac:cxnSpMkLst>
+        </pc:cxnChg>
+        <pc:cxnChg chg="add del mod">
+          <ac:chgData name="Wu Shaofeng" userId="16cc59afe9483dd5" providerId="LiveId" clId="{086831F4-73F0-4B2A-9E99-CFE60BABC8FC}" dt="2023-02-15T08:25:13.051" v="907" actId="478"/>
+          <ac:cxnSpMkLst>
+            <pc:docMk/>
+            <pc:sldMk cId="2513592794" sldId="316"/>
+            <ac:cxnSpMk id="37" creationId="{565EEB70-C0D9-6B61-021E-53EFA1A064F5}"/>
+          </ac:cxnSpMkLst>
+        </pc:cxnChg>
+      </pc:sldChg>
+      <pc:sldChg chg="addSp delSp modSp add mod">
+        <pc:chgData name="Wu Shaofeng" userId="16cc59afe9483dd5" providerId="LiveId" clId="{086831F4-73F0-4B2A-9E99-CFE60BABC8FC}" dt="2023-02-15T08:27:00.092" v="1010" actId="1035"/>
+        <pc:sldMkLst>
+          <pc:docMk/>
+          <pc:sldMk cId="1491679728" sldId="317"/>
+        </pc:sldMkLst>
+        <pc:spChg chg="add mod">
+          <ac:chgData name="Wu Shaofeng" userId="16cc59afe9483dd5" providerId="LiveId" clId="{086831F4-73F0-4B2A-9E99-CFE60BABC8FC}" dt="2023-02-15T08:27:00.092" v="1010" actId="1035"/>
+          <ac:spMkLst>
+            <pc:docMk/>
+            <pc:sldMk cId="1491679728" sldId="317"/>
+            <ac:spMk id="6" creationId="{3F7EBED2-B614-FB33-7DC9-37DD3C988945}"/>
+          </ac:spMkLst>
+        </pc:spChg>
+        <pc:spChg chg="add mod">
+          <ac:chgData name="Wu Shaofeng" userId="16cc59afe9483dd5" providerId="LiveId" clId="{086831F4-73F0-4B2A-9E99-CFE60BABC8FC}" dt="2023-02-15T08:27:00.092" v="1010" actId="1035"/>
+          <ac:spMkLst>
+            <pc:docMk/>
+            <pc:sldMk cId="1491679728" sldId="317"/>
+            <ac:spMk id="7" creationId="{6591CD88-19EC-73E1-BF27-59A6232BE882}"/>
+          </ac:spMkLst>
+        </pc:spChg>
+        <pc:spChg chg="add mod">
+          <ac:chgData name="Wu Shaofeng" userId="16cc59afe9483dd5" providerId="LiveId" clId="{086831F4-73F0-4B2A-9E99-CFE60BABC8FC}" dt="2023-02-15T08:27:00.092" v="1010" actId="1035"/>
+          <ac:spMkLst>
+            <pc:docMk/>
+            <pc:sldMk cId="1491679728" sldId="317"/>
+            <ac:spMk id="8" creationId="{6995A5C5-D15F-66FC-527B-511F94BE8D26}"/>
+          </ac:spMkLst>
+        </pc:spChg>
+        <pc:spChg chg="del">
+          <ac:chgData name="Wu Shaofeng" userId="16cc59afe9483dd5" providerId="LiveId" clId="{086831F4-73F0-4B2A-9E99-CFE60BABC8FC}" dt="2023-02-15T08:15:19.107" v="678" actId="478"/>
+          <ac:spMkLst>
+            <pc:docMk/>
+            <pc:sldMk cId="1491679728" sldId="317"/>
+            <ac:spMk id="9" creationId="{752389F3-45A2-11FF-5615-5E668B9C9B08}"/>
+          </ac:spMkLst>
+        </pc:spChg>
+        <pc:spChg chg="mod">
+          <ac:chgData name="Wu Shaofeng" userId="16cc59afe9483dd5" providerId="LiveId" clId="{086831F4-73F0-4B2A-9E99-CFE60BABC8FC}" dt="2023-02-15T08:22:28.645" v="833" actId="403"/>
+          <ac:spMkLst>
+            <pc:docMk/>
+            <pc:sldMk cId="1491679728" sldId="317"/>
+            <ac:spMk id="10" creationId="{A092B9F4-E692-FBAC-96CC-0E9961957F28}"/>
+          </ac:spMkLst>
+        </pc:spChg>
+        <pc:spChg chg="add mod">
+          <ac:chgData name="Wu Shaofeng" userId="16cc59afe9483dd5" providerId="LiveId" clId="{086831F4-73F0-4B2A-9E99-CFE60BABC8FC}" dt="2023-02-15T08:27:00.092" v="1010" actId="1035"/>
+          <ac:spMkLst>
+            <pc:docMk/>
+            <pc:sldMk cId="1491679728" sldId="317"/>
+            <ac:spMk id="29" creationId="{E7CC0AFF-EA52-D73B-0A69-E38CD462AA36}"/>
+          </ac:spMkLst>
+        </pc:spChg>
+        <pc:spChg chg="add mod">
+          <ac:chgData name="Wu Shaofeng" userId="16cc59afe9483dd5" providerId="LiveId" clId="{086831F4-73F0-4B2A-9E99-CFE60BABC8FC}" dt="2023-02-15T08:27:00.092" v="1010" actId="1035"/>
+          <ac:spMkLst>
+            <pc:docMk/>
+            <pc:sldMk cId="1491679728" sldId="317"/>
+            <ac:spMk id="30" creationId="{F584ADE1-9686-28F6-1FE2-DD2FD4CCC2A7}"/>
+          </ac:spMkLst>
+        </pc:spChg>
+        <pc:spChg chg="add mod">
+          <ac:chgData name="Wu Shaofeng" userId="16cc59afe9483dd5" providerId="LiveId" clId="{086831F4-73F0-4B2A-9E99-CFE60BABC8FC}" dt="2023-02-15T08:27:00.092" v="1010" actId="1035"/>
+          <ac:spMkLst>
+            <pc:docMk/>
+            <pc:sldMk cId="1491679728" sldId="317"/>
+            <ac:spMk id="32" creationId="{21800FD8-0C10-2F26-86BE-F1861A5461BC}"/>
+          </ac:spMkLst>
+        </pc:spChg>
+        <pc:spChg chg="add mod">
+          <ac:chgData name="Wu Shaofeng" userId="16cc59afe9483dd5" providerId="LiveId" clId="{086831F4-73F0-4B2A-9E99-CFE60BABC8FC}" dt="2023-02-15T08:27:00.092" v="1010" actId="1035"/>
+          <ac:spMkLst>
+            <pc:docMk/>
+            <pc:sldMk cId="1491679728" sldId="317"/>
+            <ac:spMk id="34" creationId="{8FD812F3-FA3A-3FC9-879C-D757AC6FEA3C}"/>
+          </ac:spMkLst>
+        </pc:spChg>
+        <pc:graphicFrameChg chg="mod modGraphic">
+          <ac:chgData name="Wu Shaofeng" userId="16cc59afe9483dd5" providerId="LiveId" clId="{086831F4-73F0-4B2A-9E99-CFE60BABC8FC}" dt="2023-02-15T08:27:00.092" v="1010" actId="1035"/>
+          <ac:graphicFrameMkLst>
+            <pc:docMk/>
+            <pc:sldMk cId="1491679728" sldId="317"/>
+            <ac:graphicFrameMk id="3" creationId="{D2C7E8CF-9290-CD6A-E31F-AD6BBA3C398C}"/>
+          </ac:graphicFrameMkLst>
+        </pc:graphicFrameChg>
+        <pc:graphicFrameChg chg="del">
+          <ac:chgData name="Wu Shaofeng" userId="16cc59afe9483dd5" providerId="LiveId" clId="{086831F4-73F0-4B2A-9E99-CFE60BABC8FC}" dt="2023-02-15T08:15:17.141" v="677" actId="478"/>
+          <ac:graphicFrameMkLst>
+            <pc:docMk/>
+            <pc:sldMk cId="1491679728" sldId="317"/>
+            <ac:graphicFrameMk id="5" creationId="{B7C72ABB-DFC9-F1C5-313D-EECC60F6F1A9}"/>
+          </ac:graphicFrameMkLst>
+        </pc:graphicFrameChg>
+        <pc:graphicFrameChg chg="mod modGraphic">
+          <ac:chgData name="Wu Shaofeng" userId="16cc59afe9483dd5" providerId="LiveId" clId="{086831F4-73F0-4B2A-9E99-CFE60BABC8FC}" dt="2023-02-15T08:27:00.092" v="1010" actId="1035"/>
+          <ac:graphicFrameMkLst>
+            <pc:docMk/>
+            <pc:sldMk cId="1491679728" sldId="317"/>
+            <ac:graphicFrameMk id="16" creationId="{66493F86-1C84-399F-4F9E-B6236D0881E4}"/>
+          </ac:graphicFrameMkLst>
+        </pc:graphicFrameChg>
+        <pc:graphicFrameChg chg="mod modGraphic">
+          <ac:chgData name="Wu Shaofeng" userId="16cc59afe9483dd5" providerId="LiveId" clId="{086831F4-73F0-4B2A-9E99-CFE60BABC8FC}" dt="2023-02-15T08:27:00.092" v="1010" actId="1035"/>
+          <ac:graphicFrameMkLst>
+            <pc:docMk/>
+            <pc:sldMk cId="1491679728" sldId="317"/>
+            <ac:graphicFrameMk id="17" creationId="{B8A383D0-CB64-2E32-031E-47A9504DBC93}"/>
+          </ac:graphicFrameMkLst>
+        </pc:graphicFrameChg>
+        <pc:graphicFrameChg chg="add mod">
+          <ac:chgData name="Wu Shaofeng" userId="16cc59afe9483dd5" providerId="LiveId" clId="{086831F4-73F0-4B2A-9E99-CFE60BABC8FC}" dt="2023-02-15T08:27:00.092" v="1010" actId="1035"/>
+          <ac:graphicFrameMkLst>
+            <pc:docMk/>
+            <pc:sldMk cId="1491679728" sldId="317"/>
+            <ac:graphicFrameMk id="28" creationId="{2AFE6B85-232D-559B-8CBD-1B50D33F41D0}"/>
+          </ac:graphicFrameMkLst>
+        </pc:graphicFrameChg>
+        <pc:picChg chg="mod">
+          <ac:chgData name="Wu Shaofeng" userId="16cc59afe9483dd5" providerId="LiveId" clId="{086831F4-73F0-4B2A-9E99-CFE60BABC8FC}" dt="2023-02-15T08:27:00.092" v="1010" actId="1035"/>
+          <ac:picMkLst>
+            <pc:docMk/>
+            <pc:sldMk cId="1491679728" sldId="317"/>
+            <ac:picMk id="2" creationId="{198BB969-2045-BBBA-3439-3EEC2BE41102}"/>
+          </ac:picMkLst>
+        </pc:picChg>
+        <pc:picChg chg="mod">
+          <ac:chgData name="Wu Shaofeng" userId="16cc59afe9483dd5" providerId="LiveId" clId="{086831F4-73F0-4B2A-9E99-CFE60BABC8FC}" dt="2023-02-15T08:27:00.092" v="1010" actId="1035"/>
+          <ac:picMkLst>
+            <pc:docMk/>
+            <pc:sldMk cId="1491679728" sldId="317"/>
+            <ac:picMk id="15" creationId="{AA6DCDEE-B5EC-1EDB-D08F-CEA0C8C8958A}"/>
+          </ac:picMkLst>
+        </pc:picChg>
+        <pc:cxnChg chg="add mod">
+          <ac:chgData name="Wu Shaofeng" userId="16cc59afe9483dd5" providerId="LiveId" clId="{086831F4-73F0-4B2A-9E99-CFE60BABC8FC}" dt="2023-02-15T08:27:00.092" v="1010" actId="1035"/>
+          <ac:cxnSpMkLst>
+            <pc:docMk/>
+            <pc:sldMk cId="1491679728" sldId="317"/>
+            <ac:cxnSpMk id="11" creationId="{FD349BA9-34DD-881F-FFF1-FCBACFBE348A}"/>
+          </ac:cxnSpMkLst>
+        </pc:cxnChg>
+        <pc:cxnChg chg="add mod">
+          <ac:chgData name="Wu Shaofeng" userId="16cc59afe9483dd5" providerId="LiveId" clId="{086831F4-73F0-4B2A-9E99-CFE60BABC8FC}" dt="2023-02-15T08:27:00.092" v="1010" actId="1035"/>
+          <ac:cxnSpMkLst>
+            <pc:docMk/>
+            <pc:sldMk cId="1491679728" sldId="317"/>
+            <ac:cxnSpMk id="13" creationId="{9F71FD87-132B-5C53-D9FC-9CF909DB735B}"/>
+          </ac:cxnSpMkLst>
+        </pc:cxnChg>
+        <pc:cxnChg chg="add mod">
+          <ac:chgData name="Wu Shaofeng" userId="16cc59afe9483dd5" providerId="LiveId" clId="{086831F4-73F0-4B2A-9E99-CFE60BABC8FC}" dt="2023-02-15T08:27:00.092" v="1010" actId="1035"/>
+          <ac:cxnSpMkLst>
+            <pc:docMk/>
+            <pc:sldMk cId="1491679728" sldId="317"/>
+            <ac:cxnSpMk id="21" creationId="{37D0EEE2-19BC-C6A1-D5F9-493BBC4088C6}"/>
+          </ac:cxnSpMkLst>
+        </pc:cxnChg>
+        <pc:cxnChg chg="add mod">
+          <ac:chgData name="Wu Shaofeng" userId="16cc59afe9483dd5" providerId="LiveId" clId="{086831F4-73F0-4B2A-9E99-CFE60BABC8FC}" dt="2023-02-15T08:27:00.092" v="1010" actId="1035"/>
+          <ac:cxnSpMkLst>
+            <pc:docMk/>
+            <pc:sldMk cId="1491679728" sldId="317"/>
+            <ac:cxnSpMk id="24" creationId="{9308CD27-175B-2986-5354-45199610E7CC}"/>
+          </ac:cxnSpMkLst>
+        </pc:cxnChg>
+        <pc:cxnChg chg="add mod">
+          <ac:chgData name="Wu Shaofeng" userId="16cc59afe9483dd5" providerId="LiveId" clId="{086831F4-73F0-4B2A-9E99-CFE60BABC8FC}" dt="2023-02-15T08:27:00.092" v="1010" actId="1035"/>
+          <ac:cxnSpMkLst>
+            <pc:docMk/>
+            <pc:sldMk cId="1491679728" sldId="317"/>
+            <ac:cxnSpMk id="31" creationId="{24E58E19-B56B-DF7A-0707-6B44CB0A17E1}"/>
+          </ac:cxnSpMkLst>
+        </pc:cxnChg>
+        <pc:cxnChg chg="add mod">
+          <ac:chgData name="Wu Shaofeng" userId="16cc59afe9483dd5" providerId="LiveId" clId="{086831F4-73F0-4B2A-9E99-CFE60BABC8FC}" dt="2023-02-15T08:27:00.092" v="1010" actId="1035"/>
+          <ac:cxnSpMkLst>
+            <pc:docMk/>
+            <pc:sldMk cId="1491679728" sldId="317"/>
+            <ac:cxnSpMk id="33" creationId="{87E75CF4-0B38-F6AE-6948-0753D1C10F74}"/>
+          </ac:cxnSpMkLst>
+        </pc:cxnChg>
+        <pc:cxnChg chg="add mod">
+          <ac:chgData name="Wu Shaofeng" userId="16cc59afe9483dd5" providerId="LiveId" clId="{086831F4-73F0-4B2A-9E99-CFE60BABC8FC}" dt="2023-02-15T08:27:00.092" v="1010" actId="1035"/>
+          <ac:cxnSpMkLst>
+            <pc:docMk/>
+            <pc:sldMk cId="1491679728" sldId="317"/>
+            <ac:cxnSpMk id="35" creationId="{0712C6A5-07E0-1B26-407B-CEDA7D196982}"/>
+          </ac:cxnSpMkLst>
+        </pc:cxnChg>
+      </pc:sldChg>
+      <pc:sldChg chg="add del">
+        <pc:chgData name="Wu Shaofeng" userId="16cc59afe9483dd5" providerId="LiveId" clId="{086831F4-73F0-4B2A-9E99-CFE60BABC8FC}" dt="2023-02-15T08:22:16.741" v="827" actId="47"/>
+        <pc:sldMkLst>
+          <pc:docMk/>
+          <pc:sldMk cId="3077859843" sldId="318"/>
+        </pc:sldMkLst>
+      </pc:sldChg>
+    </pc:docChg>
+  </pc:docChgLst>
+  <pc:docChgLst>
+    <pc:chgData userId="16cc59afe9483dd5" providerId="LiveId" clId="{57913593-CB55-4F67-AC85-664E45B3162F}"/>
+    <pc:docChg chg="undo custSel addSld delSld modSld">
+      <pc:chgData name="" userId="16cc59afe9483dd5" providerId="LiveId" clId="{57913593-CB55-4F67-AC85-664E45B3162F}" dt="2023-01-31T10:55:55.453" v="385" actId="20577"/>
+      <pc:docMkLst>
+        <pc:docMk/>
+      </pc:docMkLst>
+      <pc:sldChg chg="addSp delSp modSp">
+        <pc:chgData name="" userId="16cc59afe9483dd5" providerId="LiveId" clId="{57913593-CB55-4F67-AC85-664E45B3162F}" dt="2023-01-31T08:02:37.942" v="373" actId="1076"/>
+        <pc:sldMkLst>
+          <pc:docMk/>
+          <pc:sldMk cId="2985031972" sldId="289"/>
+        </pc:sldMkLst>
+        <pc:spChg chg="add del">
+          <ac:chgData name="" userId="16cc59afe9483dd5" providerId="LiveId" clId="{57913593-CB55-4F67-AC85-664E45B3162F}" dt="2023-01-31T07:24:41.113" v="20"/>
+          <ac:spMkLst>
+            <pc:docMk/>
+            <pc:sldMk cId="2985031972" sldId="289"/>
+            <ac:spMk id="2" creationId="{D6B46935-D58D-4102-AF72-2D8974242059}"/>
+          </ac:spMkLst>
+        </pc:spChg>
+        <pc:spChg chg="mod">
+          <ac:chgData name="" userId="16cc59afe9483dd5" providerId="LiveId" clId="{57913593-CB55-4F67-AC85-664E45B3162F}" dt="2023-01-31T07:24:34.512" v="17" actId="20577"/>
+          <ac:spMkLst>
+            <pc:docMk/>
+            <pc:sldMk cId="2985031972" sldId="289"/>
+            <ac:spMk id="4" creationId="{C8624236-17B8-3962-74AC-6DB8EB25F696}"/>
+          </ac:spMkLst>
+        </pc:spChg>
+        <pc:spChg chg="add mod">
+          <ac:chgData name="" userId="16cc59afe9483dd5" providerId="LiveId" clId="{57913593-CB55-4F67-AC85-664E45B3162F}" dt="2023-01-31T08:02:37.942" v="373" actId="1076"/>
+          <ac:spMkLst>
+            <pc:docMk/>
+            <pc:sldMk cId="2985031972" sldId="289"/>
+            <ac:spMk id="6" creationId="{8EBC1EB5-CC0B-4B28-8C34-2A8CC3BD4C49}"/>
+          </ac:spMkLst>
+        </pc:spChg>
+        <pc:spChg chg="del mod">
+          <ac:chgData name="" userId="16cc59afe9483dd5" providerId="LiveId" clId="{57913593-CB55-4F67-AC85-664E45B3162F}" dt="2023-01-31T08:02:00.981" v="359"/>
+          <ac:spMkLst>
+            <pc:docMk/>
+            <pc:sldMk cId="2985031972" sldId="289"/>
+            <ac:spMk id="9" creationId="{B8836659-28C1-6513-0E04-BEC9CB4E5563}"/>
+          </ac:spMkLst>
+        </pc:spChg>
+        <pc:spChg chg="mod">
+          <ac:chgData name="" userId="16cc59afe9483dd5" providerId="LiveId" clId="{57913593-CB55-4F67-AC85-664E45B3162F}" dt="2023-01-31T07:43:07.474" v="134" actId="5793"/>
+          <ac:spMkLst>
+            <pc:docMk/>
+            <pc:sldMk cId="2985031972" sldId="289"/>
+            <ac:spMk id="10" creationId="{121AB99F-C25D-0857-E552-02E67A14674F}"/>
+          </ac:spMkLst>
+        </pc:spChg>
+      </pc:sldChg>
+    </pc:docChg>
+  </pc:docChgLst>
   <pc:docChgLst>
     <pc:chgData name="Wu Shaofeng" userId="16cc59afe9483dd5" providerId="LiveId" clId="{B8FBE7A7-5802-43C0-9220-84FDA110C6FE}"/>
     <pc:docChg chg="undo redo custSel addSld delSld modSld sldOrd">
@@ -1292,834 +2120,6 @@
       </pc:sldChg>
     </pc:docChg>
   </pc:docChgLst>
-  <pc:docChgLst>
-    <pc:chgData userId="16cc59afe9483dd5" providerId="LiveId" clId="{57913593-CB55-4F67-AC85-664E45B3162F}"/>
-    <pc:docChg chg="undo custSel addSld delSld modSld">
-      <pc:chgData name="" userId="16cc59afe9483dd5" providerId="LiveId" clId="{57913593-CB55-4F67-AC85-664E45B3162F}" dt="2023-01-31T10:55:55.453" v="385" actId="20577"/>
-      <pc:docMkLst>
-        <pc:docMk/>
-      </pc:docMkLst>
-      <pc:sldChg chg="addSp delSp modSp">
-        <pc:chgData name="" userId="16cc59afe9483dd5" providerId="LiveId" clId="{57913593-CB55-4F67-AC85-664E45B3162F}" dt="2023-01-31T08:02:37.942" v="373" actId="1076"/>
-        <pc:sldMkLst>
-          <pc:docMk/>
-          <pc:sldMk cId="2985031972" sldId="289"/>
-        </pc:sldMkLst>
-        <pc:spChg chg="add del">
-          <ac:chgData name="" userId="16cc59afe9483dd5" providerId="LiveId" clId="{57913593-CB55-4F67-AC85-664E45B3162F}" dt="2023-01-31T07:24:41.113" v="20"/>
-          <ac:spMkLst>
-            <pc:docMk/>
-            <pc:sldMk cId="2985031972" sldId="289"/>
-            <ac:spMk id="2" creationId="{D6B46935-D58D-4102-AF72-2D8974242059}"/>
-          </ac:spMkLst>
-        </pc:spChg>
-        <pc:spChg chg="mod">
-          <ac:chgData name="" userId="16cc59afe9483dd5" providerId="LiveId" clId="{57913593-CB55-4F67-AC85-664E45B3162F}" dt="2023-01-31T07:24:34.512" v="17" actId="20577"/>
-          <ac:spMkLst>
-            <pc:docMk/>
-            <pc:sldMk cId="2985031972" sldId="289"/>
-            <ac:spMk id="4" creationId="{C8624236-17B8-3962-74AC-6DB8EB25F696}"/>
-          </ac:spMkLst>
-        </pc:spChg>
-        <pc:spChg chg="add mod">
-          <ac:chgData name="" userId="16cc59afe9483dd5" providerId="LiveId" clId="{57913593-CB55-4F67-AC85-664E45B3162F}" dt="2023-01-31T08:02:37.942" v="373" actId="1076"/>
-          <ac:spMkLst>
-            <pc:docMk/>
-            <pc:sldMk cId="2985031972" sldId="289"/>
-            <ac:spMk id="6" creationId="{8EBC1EB5-CC0B-4B28-8C34-2A8CC3BD4C49}"/>
-          </ac:spMkLst>
-        </pc:spChg>
-        <pc:spChg chg="del mod">
-          <ac:chgData name="" userId="16cc59afe9483dd5" providerId="LiveId" clId="{57913593-CB55-4F67-AC85-664E45B3162F}" dt="2023-01-31T08:02:00.981" v="359"/>
-          <ac:spMkLst>
-            <pc:docMk/>
-            <pc:sldMk cId="2985031972" sldId="289"/>
-            <ac:spMk id="9" creationId="{B8836659-28C1-6513-0E04-BEC9CB4E5563}"/>
-          </ac:spMkLst>
-        </pc:spChg>
-        <pc:spChg chg="mod">
-          <ac:chgData name="" userId="16cc59afe9483dd5" providerId="LiveId" clId="{57913593-CB55-4F67-AC85-664E45B3162F}" dt="2023-01-31T07:43:07.474" v="134" actId="5793"/>
-          <ac:spMkLst>
-            <pc:docMk/>
-            <pc:sldMk cId="2985031972" sldId="289"/>
-            <ac:spMk id="10" creationId="{121AB99F-C25D-0857-E552-02E67A14674F}"/>
-          </ac:spMkLst>
-        </pc:spChg>
-      </pc:sldChg>
-    </pc:docChg>
-  </pc:docChgLst>
-  <pc:docChgLst>
-    <pc:chgData name="Wu Shaofeng" userId="16cc59afe9483dd5" providerId="LiveId" clId="{086831F4-73F0-4B2A-9E99-CFE60BABC8FC}"/>
-    <pc:docChg chg="undo custSel addSld delSld modSld sldOrd">
-      <pc:chgData name="Wu Shaofeng" userId="16cc59afe9483dd5" providerId="LiveId" clId="{086831F4-73F0-4B2A-9E99-CFE60BABC8FC}" dt="2023-02-15T08:54:18.342" v="1150" actId="1076"/>
-      <pc:docMkLst>
-        <pc:docMk/>
-      </pc:docMkLst>
-      <pc:sldChg chg="modSp mod">
-        <pc:chgData name="Wu Shaofeng" userId="16cc59afe9483dd5" providerId="LiveId" clId="{086831F4-73F0-4B2A-9E99-CFE60BABC8FC}" dt="2023-02-15T08:53:58.641" v="1148" actId="20577"/>
-        <pc:sldMkLst>
-          <pc:docMk/>
-          <pc:sldMk cId="3989273170" sldId="283"/>
-        </pc:sldMkLst>
-        <pc:spChg chg="mod">
-          <ac:chgData name="Wu Shaofeng" userId="16cc59afe9483dd5" providerId="LiveId" clId="{086831F4-73F0-4B2A-9E99-CFE60BABC8FC}" dt="2023-02-15T08:53:58.641" v="1148" actId="20577"/>
-          <ac:spMkLst>
-            <pc:docMk/>
-            <pc:sldMk cId="3989273170" sldId="283"/>
-            <ac:spMk id="3" creationId="{C9CF56E3-9650-2A84-69E6-07F31B846A47}"/>
-          </ac:spMkLst>
-        </pc:spChg>
-      </pc:sldChg>
-      <pc:sldChg chg="modSp mod">
-        <pc:chgData name="Wu Shaofeng" userId="16cc59afe9483dd5" providerId="LiveId" clId="{086831F4-73F0-4B2A-9E99-CFE60BABC8FC}" dt="2023-02-15T07:48:35.336" v="90" actId="113"/>
-        <pc:sldMkLst>
-          <pc:docMk/>
-          <pc:sldMk cId="3636389437" sldId="304"/>
-        </pc:sldMkLst>
-        <pc:spChg chg="mod">
-          <ac:chgData name="Wu Shaofeng" userId="16cc59afe9483dd5" providerId="LiveId" clId="{086831F4-73F0-4B2A-9E99-CFE60BABC8FC}" dt="2023-02-15T07:48:35.336" v="90" actId="113"/>
-          <ac:spMkLst>
-            <pc:docMk/>
-            <pc:sldMk cId="3636389437" sldId="304"/>
-            <ac:spMk id="6" creationId="{8EBC1EB5-CC0B-4B28-8C34-2A8CC3BD4C49}"/>
-          </ac:spMkLst>
-        </pc:spChg>
-      </pc:sldChg>
-      <pc:sldChg chg="delSp modSp del mod">
-        <pc:chgData name="Wu Shaofeng" userId="16cc59afe9483dd5" providerId="LiveId" clId="{086831F4-73F0-4B2A-9E99-CFE60BABC8FC}" dt="2023-02-15T08:39:58.168" v="1120" actId="47"/>
-        <pc:sldMkLst>
-          <pc:docMk/>
-          <pc:sldMk cId="2927651869" sldId="305"/>
-        </pc:sldMkLst>
-        <pc:spChg chg="del mod">
-          <ac:chgData name="Wu Shaofeng" userId="16cc59afe9483dd5" providerId="LiveId" clId="{086831F4-73F0-4B2A-9E99-CFE60BABC8FC}" dt="2023-02-15T08:29:04.526" v="1024" actId="21"/>
-          <ac:spMkLst>
-            <pc:docMk/>
-            <pc:sldMk cId="2927651869" sldId="305"/>
-            <ac:spMk id="10" creationId="{121AB99F-C25D-0857-E552-02E67A14674F}"/>
-          </ac:spMkLst>
-        </pc:spChg>
-      </pc:sldChg>
-      <pc:sldChg chg="delSp modSp mod">
-        <pc:chgData name="Wu Shaofeng" userId="16cc59afe9483dd5" providerId="LiveId" clId="{086831F4-73F0-4B2A-9E99-CFE60BABC8FC}" dt="2023-02-15T08:27:44.974" v="1022" actId="1076"/>
-        <pc:sldMkLst>
-          <pc:docMk/>
-          <pc:sldMk cId="4026226368" sldId="306"/>
-        </pc:sldMkLst>
-        <pc:spChg chg="del">
-          <ac:chgData name="Wu Shaofeng" userId="16cc59afe9483dd5" providerId="LiveId" clId="{086831F4-73F0-4B2A-9E99-CFE60BABC8FC}" dt="2023-02-15T08:27:21.611" v="1014" actId="478"/>
-          <ac:spMkLst>
-            <pc:docMk/>
-            <pc:sldMk cId="4026226368" sldId="306"/>
-            <ac:spMk id="6" creationId="{8EBC1EB5-CC0B-4B28-8C34-2A8CC3BD4C49}"/>
-          </ac:spMkLst>
-        </pc:spChg>
-        <pc:spChg chg="mod">
-          <ac:chgData name="Wu Shaofeng" userId="16cc59afe9483dd5" providerId="LiveId" clId="{086831F4-73F0-4B2A-9E99-CFE60BABC8FC}" dt="2023-02-15T08:27:44.974" v="1022" actId="1076"/>
-          <ac:spMkLst>
-            <pc:docMk/>
-            <pc:sldMk cId="4026226368" sldId="306"/>
-            <ac:spMk id="10" creationId="{121AB99F-C25D-0857-E552-02E67A14674F}"/>
-          </ac:spMkLst>
-        </pc:spChg>
-      </pc:sldChg>
-      <pc:sldChg chg="modSp mod">
-        <pc:chgData name="Wu Shaofeng" userId="16cc59afe9483dd5" providerId="LiveId" clId="{086831F4-73F0-4B2A-9E99-CFE60BABC8FC}" dt="2023-02-15T08:19:50.748" v="780" actId="1076"/>
-        <pc:sldMkLst>
-          <pc:docMk/>
-          <pc:sldMk cId="3539225801" sldId="310"/>
-        </pc:sldMkLst>
-        <pc:spChg chg="mod">
-          <ac:chgData name="Wu Shaofeng" userId="16cc59afe9483dd5" providerId="LiveId" clId="{086831F4-73F0-4B2A-9E99-CFE60BABC8FC}" dt="2023-02-15T08:01:04.765" v="461" actId="20577"/>
-          <ac:spMkLst>
-            <pc:docMk/>
-            <pc:sldMk cId="3539225801" sldId="310"/>
-            <ac:spMk id="6" creationId="{8EBC1EB5-CC0B-4B28-8C34-2A8CC3BD4C49}"/>
-          </ac:spMkLst>
-        </pc:spChg>
-        <pc:spChg chg="mod">
-          <ac:chgData name="Wu Shaofeng" userId="16cc59afe9483dd5" providerId="LiveId" clId="{086831F4-73F0-4B2A-9E99-CFE60BABC8FC}" dt="2023-02-15T08:19:50.748" v="780" actId="1076"/>
-          <ac:spMkLst>
-            <pc:docMk/>
-            <pc:sldMk cId="3539225801" sldId="310"/>
-            <ac:spMk id="10" creationId="{121AB99F-C25D-0857-E552-02E67A14674F}"/>
-          </ac:spMkLst>
-        </pc:spChg>
-      </pc:sldChg>
-      <pc:sldChg chg="addSp delSp modSp del mod">
-        <pc:chgData name="Wu Shaofeng" userId="16cc59afe9483dd5" providerId="LiveId" clId="{086831F4-73F0-4B2A-9E99-CFE60BABC8FC}" dt="2023-02-15T08:27:09.908" v="1011" actId="47"/>
-        <pc:sldMkLst>
-          <pc:docMk/>
-          <pc:sldMk cId="1074606415" sldId="311"/>
-        </pc:sldMkLst>
-        <pc:spChg chg="add del">
-          <ac:chgData name="Wu Shaofeng" userId="16cc59afe9483dd5" providerId="LiveId" clId="{086831F4-73F0-4B2A-9E99-CFE60BABC8FC}" dt="2023-02-15T08:12:21.430" v="605" actId="478"/>
-          <ac:spMkLst>
-            <pc:docMk/>
-            <pc:sldMk cId="1074606415" sldId="311"/>
-            <ac:spMk id="6" creationId="{8EBC1EB5-CC0B-4B28-8C34-2A8CC3BD4C49}"/>
-          </ac:spMkLst>
-        </pc:spChg>
-        <pc:spChg chg="del mod">
-          <ac:chgData name="Wu Shaofeng" userId="16cc59afe9483dd5" providerId="LiveId" clId="{086831F4-73F0-4B2A-9E99-CFE60BABC8FC}" dt="2023-02-15T08:01:50.775" v="468"/>
-          <ac:spMkLst>
-            <pc:docMk/>
-            <pc:sldMk cId="1074606415" sldId="311"/>
-            <ac:spMk id="10" creationId="{121AB99F-C25D-0857-E552-02E67A14674F}"/>
-          </ac:spMkLst>
-        </pc:spChg>
-        <pc:graphicFrameChg chg="add del mod">
-          <ac:chgData name="Wu Shaofeng" userId="16cc59afe9483dd5" providerId="LiveId" clId="{086831F4-73F0-4B2A-9E99-CFE60BABC8FC}" dt="2023-02-15T08:12:29.524" v="607"/>
-          <ac:graphicFrameMkLst>
-            <pc:docMk/>
-            <pc:sldMk cId="1074606415" sldId="311"/>
-            <ac:graphicFrameMk id="3" creationId="{C29691FB-F08B-13AD-7155-3D605A183F78}"/>
-          </ac:graphicFrameMkLst>
-        </pc:graphicFrameChg>
-        <pc:graphicFrameChg chg="add del mod">
-          <ac:chgData name="Wu Shaofeng" userId="16cc59afe9483dd5" providerId="LiveId" clId="{086831F4-73F0-4B2A-9E99-CFE60BABC8FC}" dt="2023-02-15T08:12:29.524" v="607"/>
-          <ac:graphicFrameMkLst>
-            <pc:docMk/>
-            <pc:sldMk cId="1074606415" sldId="311"/>
-            <ac:graphicFrameMk id="5" creationId="{08B33CA6-F460-359B-F99D-8878C537CA11}"/>
-          </ac:graphicFrameMkLst>
-        </pc:graphicFrameChg>
-        <pc:graphicFrameChg chg="add del mod">
-          <ac:chgData name="Wu Shaofeng" userId="16cc59afe9483dd5" providerId="LiveId" clId="{086831F4-73F0-4B2A-9E99-CFE60BABC8FC}" dt="2023-02-15T08:12:29.524" v="607"/>
-          <ac:graphicFrameMkLst>
-            <pc:docMk/>
-            <pc:sldMk cId="1074606415" sldId="311"/>
-            <ac:graphicFrameMk id="7" creationId="{ACAF41E0-CD3B-BBDB-5F07-80D9BEEA2F97}"/>
-          </ac:graphicFrameMkLst>
-        </pc:graphicFrameChg>
-        <pc:graphicFrameChg chg="add del mod">
-          <ac:chgData name="Wu Shaofeng" userId="16cc59afe9483dd5" providerId="LiveId" clId="{086831F4-73F0-4B2A-9E99-CFE60BABC8FC}" dt="2023-02-15T08:12:20.517" v="603"/>
-          <ac:graphicFrameMkLst>
-            <pc:docMk/>
-            <pc:sldMk cId="1074606415" sldId="311"/>
-            <ac:graphicFrameMk id="9" creationId="{FBE9A88E-899D-C8D9-6C47-1A0D171E1BD9}"/>
-          </ac:graphicFrameMkLst>
-        </pc:graphicFrameChg>
-        <pc:graphicFrameChg chg="add del mod">
-          <ac:chgData name="Wu Shaofeng" userId="16cc59afe9483dd5" providerId="LiveId" clId="{086831F4-73F0-4B2A-9E99-CFE60BABC8FC}" dt="2023-02-15T08:12:20.517" v="603"/>
-          <ac:graphicFrameMkLst>
-            <pc:docMk/>
-            <pc:sldMk cId="1074606415" sldId="311"/>
-            <ac:graphicFrameMk id="11" creationId="{24FAB439-3E75-3E84-09BE-0F0549BC5FDF}"/>
-          </ac:graphicFrameMkLst>
-        </pc:graphicFrameChg>
-        <pc:graphicFrameChg chg="add del mod">
-          <ac:chgData name="Wu Shaofeng" userId="16cc59afe9483dd5" providerId="LiveId" clId="{086831F4-73F0-4B2A-9E99-CFE60BABC8FC}" dt="2023-02-15T08:12:20.517" v="603"/>
-          <ac:graphicFrameMkLst>
-            <pc:docMk/>
-            <pc:sldMk cId="1074606415" sldId="311"/>
-            <ac:graphicFrameMk id="12" creationId="{8BC0A09B-46D1-07FA-E152-CD14858B1150}"/>
-          </ac:graphicFrameMkLst>
-        </pc:graphicFrameChg>
-        <pc:picChg chg="add del mod">
-          <ac:chgData name="Wu Shaofeng" userId="16cc59afe9483dd5" providerId="LiveId" clId="{086831F4-73F0-4B2A-9E99-CFE60BABC8FC}" dt="2023-02-15T08:12:29.524" v="607"/>
-          <ac:picMkLst>
-            <pc:docMk/>
-            <pc:sldMk cId="1074606415" sldId="311"/>
-            <ac:picMk id="2" creationId="{98B611A1-D77A-B30A-BDD5-E83CB37E0E17}"/>
-          </ac:picMkLst>
-        </pc:picChg>
-        <pc:picChg chg="add del mod">
-          <ac:chgData name="Wu Shaofeng" userId="16cc59afe9483dd5" providerId="LiveId" clId="{086831F4-73F0-4B2A-9E99-CFE60BABC8FC}" dt="2023-02-15T08:12:20.517" v="603"/>
-          <ac:picMkLst>
-            <pc:docMk/>
-            <pc:sldMk cId="1074606415" sldId="311"/>
-            <ac:picMk id="8" creationId="{F9EAC0A6-7ED7-EF1C-428E-12A6E5758C57}"/>
-          </ac:picMkLst>
-        </pc:picChg>
-      </pc:sldChg>
-      <pc:sldChg chg="modSp mod">
-        <pc:chgData name="Wu Shaofeng" userId="16cc59afe9483dd5" providerId="LiveId" clId="{086831F4-73F0-4B2A-9E99-CFE60BABC8FC}" dt="2023-02-15T08:51:31.523" v="1143" actId="113"/>
-        <pc:sldMkLst>
-          <pc:docMk/>
-          <pc:sldMk cId="3194260040" sldId="312"/>
-        </pc:sldMkLst>
-        <pc:spChg chg="mod">
-          <ac:chgData name="Wu Shaofeng" userId="16cc59afe9483dd5" providerId="LiveId" clId="{086831F4-73F0-4B2A-9E99-CFE60BABC8FC}" dt="2023-02-15T08:51:31.523" v="1143" actId="113"/>
-          <ac:spMkLst>
-            <pc:docMk/>
-            <pc:sldMk cId="3194260040" sldId="312"/>
-            <ac:spMk id="3" creationId="{C9CF56E3-9650-2A84-69E6-07F31B846A47}"/>
-          </ac:spMkLst>
-        </pc:spChg>
-      </pc:sldChg>
-      <pc:sldChg chg="addSp delSp modSp mod">
-        <pc:chgData name="Wu Shaofeng" userId="16cc59afe9483dd5" providerId="LiveId" clId="{086831F4-73F0-4B2A-9E99-CFE60BABC8FC}" dt="2023-02-15T08:39:32.890" v="1119" actId="1076"/>
-        <pc:sldMkLst>
-          <pc:docMk/>
-          <pc:sldMk cId="837519824" sldId="313"/>
-        </pc:sldMkLst>
-        <pc:spChg chg="add del mod">
-          <ac:chgData name="Wu Shaofeng" userId="16cc59afe9483dd5" providerId="LiveId" clId="{086831F4-73F0-4B2A-9E99-CFE60BABC8FC}" dt="2023-02-15T08:29:13.048" v="1034"/>
-          <ac:spMkLst>
-            <pc:docMk/>
-            <pc:sldMk cId="837519824" sldId="313"/>
-            <ac:spMk id="2" creationId="{19DE5866-FA4C-8D6C-877D-81EA525A908A}"/>
-          </ac:spMkLst>
-        </pc:spChg>
-        <pc:spChg chg="add mod">
-          <ac:chgData name="Wu Shaofeng" userId="16cc59afe9483dd5" providerId="LiveId" clId="{086831F4-73F0-4B2A-9E99-CFE60BABC8FC}" dt="2023-02-15T08:39:32.890" v="1119" actId="1076"/>
-          <ac:spMkLst>
-            <pc:docMk/>
-            <pc:sldMk cId="837519824" sldId="313"/>
-            <ac:spMk id="3" creationId="{68A7B00B-8412-FD89-C057-F6A117D90D09}"/>
-          </ac:spMkLst>
-        </pc:spChg>
-        <pc:spChg chg="add del mod">
-          <ac:chgData name="Wu Shaofeng" userId="16cc59afe9483dd5" providerId="LiveId" clId="{086831F4-73F0-4B2A-9E99-CFE60BABC8FC}" dt="2023-02-15T08:39:02.643" v="1109" actId="20577"/>
-          <ac:spMkLst>
-            <pc:docMk/>
-            <pc:sldMk cId="837519824" sldId="313"/>
-            <ac:spMk id="6" creationId="{8EBC1EB5-CC0B-4B28-8C34-2A8CC3BD4C49}"/>
-          </ac:spMkLst>
-        </pc:spChg>
-        <pc:spChg chg="mod">
-          <ac:chgData name="Wu Shaofeng" userId="16cc59afe9483dd5" providerId="LiveId" clId="{086831F4-73F0-4B2A-9E99-CFE60BABC8FC}" dt="2023-02-15T08:29:12.715" v="1032" actId="5793"/>
-          <ac:spMkLst>
-            <pc:docMk/>
-            <pc:sldMk cId="837519824" sldId="313"/>
-            <ac:spMk id="10" creationId="{121AB99F-C25D-0857-E552-02E67A14674F}"/>
-          </ac:spMkLst>
-        </pc:spChg>
-      </pc:sldChg>
-      <pc:sldChg chg="modSp add mod">
-        <pc:chgData name="Wu Shaofeng" userId="16cc59afe9483dd5" providerId="LiveId" clId="{086831F4-73F0-4B2A-9E99-CFE60BABC8FC}" dt="2023-02-15T07:53:28.724" v="124" actId="20577"/>
-        <pc:sldMkLst>
-          <pc:docMk/>
-          <pc:sldMk cId="2690971255" sldId="314"/>
-        </pc:sldMkLst>
-        <pc:spChg chg="mod">
-          <ac:chgData name="Wu Shaofeng" userId="16cc59afe9483dd5" providerId="LiveId" clId="{086831F4-73F0-4B2A-9E99-CFE60BABC8FC}" dt="2023-02-15T07:53:28.724" v="124" actId="20577"/>
-          <ac:spMkLst>
-            <pc:docMk/>
-            <pc:sldMk cId="2690971255" sldId="314"/>
-            <ac:spMk id="6" creationId="{8EBC1EB5-CC0B-4B28-8C34-2A8CC3BD4C49}"/>
-          </ac:spMkLst>
-        </pc:spChg>
-        <pc:spChg chg="mod">
-          <ac:chgData name="Wu Shaofeng" userId="16cc59afe9483dd5" providerId="LiveId" clId="{086831F4-73F0-4B2A-9E99-CFE60BABC8FC}" dt="2023-02-15T07:49:57.696" v="92" actId="20577"/>
-          <ac:spMkLst>
-            <pc:docMk/>
-            <pc:sldMk cId="2690971255" sldId="314"/>
-            <ac:spMk id="10" creationId="{121AB99F-C25D-0857-E552-02E67A14674F}"/>
-          </ac:spMkLst>
-        </pc:spChg>
-      </pc:sldChg>
-      <pc:sldChg chg="addSp delSp modSp add mod">
-        <pc:chgData name="Wu Shaofeng" userId="16cc59afe9483dd5" providerId="LiveId" clId="{086831F4-73F0-4B2A-9E99-CFE60BABC8FC}" dt="2023-02-15T08:54:18.342" v="1150" actId="1076"/>
-        <pc:sldMkLst>
-          <pc:docMk/>
-          <pc:sldMk cId="1643051224" sldId="315"/>
-        </pc:sldMkLst>
-        <pc:spChg chg="add mod">
-          <ac:chgData name="Wu Shaofeng" userId="16cc59afe9483dd5" providerId="LiveId" clId="{086831F4-73F0-4B2A-9E99-CFE60BABC8FC}" dt="2023-02-15T08:02:35.484" v="497" actId="1036"/>
-          <ac:spMkLst>
-            <pc:docMk/>
-            <pc:sldMk cId="1643051224" sldId="315"/>
-            <ac:spMk id="2" creationId="{14BA0E67-A038-A117-7C06-BE8C0629CF11}"/>
-          </ac:spMkLst>
-        </pc:spChg>
-        <pc:spChg chg="add mod">
-          <ac:chgData name="Wu Shaofeng" userId="16cc59afe9483dd5" providerId="LiveId" clId="{086831F4-73F0-4B2A-9E99-CFE60BABC8FC}" dt="2023-02-15T08:02:48.923" v="517" actId="1076"/>
-          <ac:spMkLst>
-            <pc:docMk/>
-            <pc:sldMk cId="1643051224" sldId="315"/>
-            <ac:spMk id="3" creationId="{60B83806-B736-F60A-3AA7-EDB60631FD2A}"/>
-          </ac:spMkLst>
-        </pc:spChg>
-        <pc:spChg chg="mod">
-          <ac:chgData name="Wu Shaofeng" userId="16cc59afe9483dd5" providerId="LiveId" clId="{086831F4-73F0-4B2A-9E99-CFE60BABC8FC}" dt="2023-02-15T08:02:53.878" v="521" actId="20577"/>
-          <ac:spMkLst>
-            <pc:docMk/>
-            <pc:sldMk cId="1643051224" sldId="315"/>
-            <ac:spMk id="6" creationId="{8EBC1EB5-CC0B-4B28-8C34-2A8CC3BD4C49}"/>
-          </ac:spMkLst>
-        </pc:spChg>
-        <pc:spChg chg="mod">
-          <ac:chgData name="Wu Shaofeng" userId="16cc59afe9483dd5" providerId="LiveId" clId="{086831F4-73F0-4B2A-9E99-CFE60BABC8FC}" dt="2023-02-15T08:54:18.342" v="1150" actId="1076"/>
-          <ac:spMkLst>
-            <pc:docMk/>
-            <pc:sldMk cId="1643051224" sldId="315"/>
-            <ac:spMk id="10" creationId="{121AB99F-C25D-0857-E552-02E67A14674F}"/>
-          </ac:spMkLst>
-        </pc:spChg>
-        <pc:graphicFrameChg chg="add del mod modGraphic">
-          <ac:chgData name="Wu Shaofeng" userId="16cc59afe9483dd5" providerId="LiveId" clId="{086831F4-73F0-4B2A-9E99-CFE60BABC8FC}" dt="2023-02-15T08:54:15.730" v="1149" actId="478"/>
-          <ac:graphicFrameMkLst>
-            <pc:docMk/>
-            <pc:sldMk cId="1643051224" sldId="315"/>
-            <ac:graphicFrameMk id="7" creationId="{D398DD8F-00FC-28B1-82F1-3B4E9EC22A86}"/>
-          </ac:graphicFrameMkLst>
-        </pc:graphicFrameChg>
-        <pc:graphicFrameChg chg="add del mod">
-          <ac:chgData name="Wu Shaofeng" userId="16cc59afe9483dd5" providerId="LiveId" clId="{086831F4-73F0-4B2A-9E99-CFE60BABC8FC}" dt="2023-02-15T08:54:15.730" v="1149" actId="478"/>
-          <ac:graphicFrameMkLst>
-            <pc:docMk/>
-            <pc:sldMk cId="1643051224" sldId="315"/>
-            <ac:graphicFrameMk id="8" creationId="{B9BEEA00-D98D-CD0E-B006-84D4C434152F}"/>
-          </ac:graphicFrameMkLst>
-        </pc:graphicFrameChg>
-        <pc:graphicFrameChg chg="add del mod">
-          <ac:chgData name="Wu Shaofeng" userId="16cc59afe9483dd5" providerId="LiveId" clId="{086831F4-73F0-4B2A-9E99-CFE60BABC8FC}" dt="2023-02-15T08:54:15.730" v="1149" actId="478"/>
-          <ac:graphicFrameMkLst>
-            <pc:docMk/>
-            <pc:sldMk cId="1643051224" sldId="315"/>
-            <ac:graphicFrameMk id="9" creationId="{8229DC4A-6DFB-4681-8821-AF5AA3070CB9}"/>
-          </ac:graphicFrameMkLst>
-        </pc:graphicFrameChg>
-        <pc:picChg chg="add del mod">
-          <ac:chgData name="Wu Shaofeng" userId="16cc59afe9483dd5" providerId="LiveId" clId="{086831F4-73F0-4B2A-9E99-CFE60BABC8FC}" dt="2023-02-15T08:54:15.730" v="1149" actId="478"/>
-          <ac:picMkLst>
-            <pc:docMk/>
-            <pc:sldMk cId="1643051224" sldId="315"/>
-            <ac:picMk id="5" creationId="{D210C5BB-E543-1732-DA6C-8AAE44DE9E56}"/>
-          </ac:picMkLst>
-        </pc:picChg>
-      </pc:sldChg>
-      <pc:sldChg chg="addSp delSp modSp add mod ord">
-        <pc:chgData name="Wu Shaofeng" userId="16cc59afe9483dd5" providerId="LiveId" clId="{086831F4-73F0-4B2A-9E99-CFE60BABC8FC}" dt="2023-02-15T08:25:13.051" v="907" actId="478"/>
-        <pc:sldMkLst>
-          <pc:docMk/>
-          <pc:sldMk cId="2513592794" sldId="316"/>
-        </pc:sldMkLst>
-        <pc:spChg chg="del">
-          <ac:chgData name="Wu Shaofeng" userId="16cc59afe9483dd5" providerId="LiveId" clId="{086831F4-73F0-4B2A-9E99-CFE60BABC8FC}" dt="2023-02-15T08:13:32.435" v="613" actId="478"/>
-          <ac:spMkLst>
-            <pc:docMk/>
-            <pc:sldMk cId="2513592794" sldId="316"/>
-            <ac:spMk id="6" creationId="{8EBC1EB5-CC0B-4B28-8C34-2A8CC3BD4C49}"/>
-          </ac:spMkLst>
-        </pc:spChg>
-        <pc:spChg chg="add del mod">
-          <ac:chgData name="Wu Shaofeng" userId="16cc59afe9483dd5" providerId="LiveId" clId="{086831F4-73F0-4B2A-9E99-CFE60BABC8FC}" dt="2023-02-15T08:13:43.571" v="621" actId="478"/>
-          <ac:spMkLst>
-            <pc:docMk/>
-            <pc:sldMk cId="2513592794" sldId="316"/>
-            <ac:spMk id="8" creationId="{69899A9F-63F8-B0F3-BA10-7938EB453707}"/>
-          </ac:spMkLst>
-        </pc:spChg>
-        <pc:spChg chg="add mod">
-          <ac:chgData name="Wu Shaofeng" userId="16cc59afe9483dd5" providerId="LiveId" clId="{086831F4-73F0-4B2A-9E99-CFE60BABC8FC}" dt="2023-02-15T08:16:16.407" v="705" actId="403"/>
-          <ac:spMkLst>
-            <pc:docMk/>
-            <pc:sldMk cId="2513592794" sldId="316"/>
-            <ac:spMk id="9" creationId="{752389F3-45A2-11FF-5615-5E668B9C9B08}"/>
-          </ac:spMkLst>
-        </pc:spChg>
-        <pc:spChg chg="add del mod">
-          <ac:chgData name="Wu Shaofeng" userId="16cc59afe9483dd5" providerId="LiveId" clId="{086831F4-73F0-4B2A-9E99-CFE60BABC8FC}" dt="2023-02-15T08:15:20.690" v="679" actId="478"/>
-          <ac:spMkLst>
-            <pc:docMk/>
-            <pc:sldMk cId="2513592794" sldId="316"/>
-            <ac:spMk id="10" creationId="{A092B9F4-E692-FBAC-96CC-0E9961957F28}"/>
-          </ac:spMkLst>
-        </pc:spChg>
-        <pc:spChg chg="add mod">
-          <ac:chgData name="Wu Shaofeng" userId="16cc59afe9483dd5" providerId="LiveId" clId="{086831F4-73F0-4B2A-9E99-CFE60BABC8FC}" dt="2023-02-15T08:21:54.524" v="825" actId="2711"/>
-          <ac:spMkLst>
-            <pc:docMk/>
-            <pc:sldMk cId="2513592794" sldId="316"/>
-            <ac:spMk id="19" creationId="{64AB2707-AB57-85F4-9C02-A25A9DC4E140}"/>
-          </ac:spMkLst>
-        </pc:spChg>
-        <pc:spChg chg="add mod">
-          <ac:chgData name="Wu Shaofeng" userId="16cc59afe9483dd5" providerId="LiveId" clId="{086831F4-73F0-4B2A-9E99-CFE60BABC8FC}" dt="2023-02-15T08:19:09.986" v="779" actId="1037"/>
-          <ac:spMkLst>
-            <pc:docMk/>
-            <pc:sldMk cId="2513592794" sldId="316"/>
-            <ac:spMk id="20" creationId="{E021A8E7-2428-8F36-F392-560B89ACAD4F}"/>
-          </ac:spMkLst>
-        </pc:spChg>
-        <pc:spChg chg="add mod">
-          <ac:chgData name="Wu Shaofeng" userId="16cc59afe9483dd5" providerId="LiveId" clId="{086831F4-73F0-4B2A-9E99-CFE60BABC8FC}" dt="2023-02-15T08:19:09.986" v="779" actId="1037"/>
-          <ac:spMkLst>
-            <pc:docMk/>
-            <pc:sldMk cId="2513592794" sldId="316"/>
-            <ac:spMk id="21" creationId="{9DA17683-13EB-90DB-0BD9-36AA02593E77}"/>
-          </ac:spMkLst>
-        </pc:spChg>
-        <pc:spChg chg="add mod">
-          <ac:chgData name="Wu Shaofeng" userId="16cc59afe9483dd5" providerId="LiveId" clId="{086831F4-73F0-4B2A-9E99-CFE60BABC8FC}" dt="2023-02-15T08:21:25.108" v="810" actId="1076"/>
-          <ac:spMkLst>
-            <pc:docMk/>
-            <pc:sldMk cId="2513592794" sldId="316"/>
-            <ac:spMk id="34" creationId="{4907D05E-0602-2EBD-5EDB-3866E8492CB3}"/>
-          </ac:spMkLst>
-        </pc:spChg>
-        <pc:spChg chg="add del mod">
-          <ac:chgData name="Wu Shaofeng" userId="16cc59afe9483dd5" providerId="LiveId" clId="{086831F4-73F0-4B2A-9E99-CFE60BABC8FC}" dt="2023-02-15T08:21:29.580" v="813" actId="478"/>
-          <ac:spMkLst>
-            <pc:docMk/>
-            <pc:sldMk cId="2513592794" sldId="316"/>
-            <ac:spMk id="35" creationId="{76D999A1-70EE-DDCE-D666-C123AADCD053}"/>
-          </ac:spMkLst>
-        </pc:spChg>
-        <pc:spChg chg="add mod">
-          <ac:chgData name="Wu Shaofeng" userId="16cc59afe9483dd5" providerId="LiveId" clId="{086831F4-73F0-4B2A-9E99-CFE60BABC8FC}" dt="2023-02-15T08:21:54.524" v="825" actId="2711"/>
-          <ac:spMkLst>
-            <pc:docMk/>
-            <pc:sldMk cId="2513592794" sldId="316"/>
-            <ac:spMk id="36" creationId="{93AE569E-B4D4-4985-664C-9AE32883AC93}"/>
-          </ac:spMkLst>
-        </pc:spChg>
-        <pc:spChg chg="add del mod">
-          <ac:chgData name="Wu Shaofeng" userId="16cc59afe9483dd5" providerId="LiveId" clId="{086831F4-73F0-4B2A-9E99-CFE60BABC8FC}" dt="2023-02-15T08:25:09.568" v="905"/>
-          <ac:spMkLst>
-            <pc:docMk/>
-            <pc:sldMk cId="2513592794" sldId="316"/>
-            <ac:spMk id="39" creationId="{7F8BEB98-AD5A-5193-2765-16A56BF66DAE}"/>
-          </ac:spMkLst>
-        </pc:spChg>
-        <pc:graphicFrameChg chg="add mod">
-          <ac:chgData name="Wu Shaofeng" userId="16cc59afe9483dd5" providerId="LiveId" clId="{086831F4-73F0-4B2A-9E99-CFE60BABC8FC}" dt="2023-02-15T08:19:09.986" v="779" actId="1037"/>
-          <ac:graphicFrameMkLst>
-            <pc:docMk/>
-            <pc:sldMk cId="2513592794" sldId="316"/>
-            <ac:graphicFrameMk id="3" creationId="{D2C7E8CF-9290-CD6A-E31F-AD6BBA3C398C}"/>
-          </ac:graphicFrameMkLst>
-        </pc:graphicFrameChg>
-        <pc:graphicFrameChg chg="add mod">
-          <ac:chgData name="Wu Shaofeng" userId="16cc59afe9483dd5" providerId="LiveId" clId="{086831F4-73F0-4B2A-9E99-CFE60BABC8FC}" dt="2023-02-15T08:19:09.986" v="779" actId="1037"/>
-          <ac:graphicFrameMkLst>
-            <pc:docMk/>
-            <pc:sldMk cId="2513592794" sldId="316"/>
-            <ac:graphicFrameMk id="5" creationId="{B7C72ABB-DFC9-F1C5-313D-EECC60F6F1A9}"/>
-          </ac:graphicFrameMkLst>
-        </pc:graphicFrameChg>
-        <pc:graphicFrameChg chg="add del mod">
-          <ac:chgData name="Wu Shaofeng" userId="16cc59afe9483dd5" providerId="LiveId" clId="{086831F4-73F0-4B2A-9E99-CFE60BABC8FC}" dt="2023-02-15T08:14:35.619" v="668" actId="478"/>
-          <ac:graphicFrameMkLst>
-            <pc:docMk/>
-            <pc:sldMk cId="2513592794" sldId="316"/>
-            <ac:graphicFrameMk id="7" creationId="{576F4CFA-EA8A-6825-67AD-8C3C7DD063DB}"/>
-          </ac:graphicFrameMkLst>
-        </pc:graphicFrameChg>
-        <pc:graphicFrameChg chg="add del mod">
-          <ac:chgData name="Wu Shaofeng" userId="16cc59afe9483dd5" providerId="LiveId" clId="{086831F4-73F0-4B2A-9E99-CFE60BABC8FC}" dt="2023-02-15T08:14:50.683" v="673" actId="478"/>
-          <ac:graphicFrameMkLst>
-            <pc:docMk/>
-            <pc:sldMk cId="2513592794" sldId="316"/>
-            <ac:graphicFrameMk id="12" creationId="{C5513096-4B17-22BA-CEBD-11E90B842AAB}"/>
-          </ac:graphicFrameMkLst>
-        </pc:graphicFrameChg>
-        <pc:graphicFrameChg chg="add del mod">
-          <ac:chgData name="Wu Shaofeng" userId="16cc59afe9483dd5" providerId="LiveId" clId="{086831F4-73F0-4B2A-9E99-CFE60BABC8FC}" dt="2023-02-15T08:14:50.683" v="673" actId="478"/>
-          <ac:graphicFrameMkLst>
-            <pc:docMk/>
-            <pc:sldMk cId="2513592794" sldId="316"/>
-            <ac:graphicFrameMk id="13" creationId="{5E28A335-78FE-FBF6-2D7D-BDB32AFB750C}"/>
-          </ac:graphicFrameMkLst>
-        </pc:graphicFrameChg>
-        <pc:graphicFrameChg chg="add del mod">
-          <ac:chgData name="Wu Shaofeng" userId="16cc59afe9483dd5" providerId="LiveId" clId="{086831F4-73F0-4B2A-9E99-CFE60BABC8FC}" dt="2023-02-15T08:14:50.683" v="673" actId="478"/>
-          <ac:graphicFrameMkLst>
-            <pc:docMk/>
-            <pc:sldMk cId="2513592794" sldId="316"/>
-            <ac:graphicFrameMk id="14" creationId="{16D64B3B-4E45-23D7-9FC9-F594BC61BB33}"/>
-          </ac:graphicFrameMkLst>
-        </pc:graphicFrameChg>
-        <pc:graphicFrameChg chg="add del mod">
-          <ac:chgData name="Wu Shaofeng" userId="16cc59afe9483dd5" providerId="LiveId" clId="{086831F4-73F0-4B2A-9E99-CFE60BABC8FC}" dt="2023-02-15T08:15:22.004" v="680" actId="478"/>
-          <ac:graphicFrameMkLst>
-            <pc:docMk/>
-            <pc:sldMk cId="2513592794" sldId="316"/>
-            <ac:graphicFrameMk id="16" creationId="{66493F86-1C84-399F-4F9E-B6236D0881E4}"/>
-          </ac:graphicFrameMkLst>
-        </pc:graphicFrameChg>
-        <pc:graphicFrameChg chg="add del mod">
-          <ac:chgData name="Wu Shaofeng" userId="16cc59afe9483dd5" providerId="LiveId" clId="{086831F4-73F0-4B2A-9E99-CFE60BABC8FC}" dt="2023-02-15T08:15:20.690" v="679" actId="478"/>
-          <ac:graphicFrameMkLst>
-            <pc:docMk/>
-            <pc:sldMk cId="2513592794" sldId="316"/>
-            <ac:graphicFrameMk id="17" creationId="{B8A383D0-CB64-2E32-031E-47A9504DBC93}"/>
-          </ac:graphicFrameMkLst>
-        </pc:graphicFrameChg>
-        <pc:graphicFrameChg chg="add mod">
-          <ac:chgData name="Wu Shaofeng" userId="16cc59afe9483dd5" providerId="LiveId" clId="{086831F4-73F0-4B2A-9E99-CFE60BABC8FC}" dt="2023-02-15T08:17:31.357" v="707" actId="1076"/>
-          <ac:graphicFrameMkLst>
-            <pc:docMk/>
-            <pc:sldMk cId="2513592794" sldId="316"/>
-            <ac:graphicFrameMk id="18" creationId="{14D47A20-0473-EAE9-F8F1-1F630FA8B685}"/>
-          </ac:graphicFrameMkLst>
-        </pc:graphicFrameChg>
-        <pc:picChg chg="add mod">
-          <ac:chgData name="Wu Shaofeng" userId="16cc59afe9483dd5" providerId="LiveId" clId="{086831F4-73F0-4B2A-9E99-CFE60BABC8FC}" dt="2023-02-15T08:19:09.986" v="779" actId="1037"/>
-          <ac:picMkLst>
-            <pc:docMk/>
-            <pc:sldMk cId="2513592794" sldId="316"/>
-            <ac:picMk id="2" creationId="{198BB969-2045-BBBA-3439-3EEC2BE41102}"/>
-          </ac:picMkLst>
-        </pc:picChg>
-        <pc:picChg chg="add del mod">
-          <ac:chgData name="Wu Shaofeng" userId="16cc59afe9483dd5" providerId="LiveId" clId="{086831F4-73F0-4B2A-9E99-CFE60BABC8FC}" dt="2023-02-15T08:14:50.683" v="673" actId="478"/>
-          <ac:picMkLst>
-            <pc:docMk/>
-            <pc:sldMk cId="2513592794" sldId="316"/>
-            <ac:picMk id="11" creationId="{7993FFFA-5FF3-589C-72F3-A3BCBB52C5FC}"/>
-          </ac:picMkLst>
-        </pc:picChg>
-        <pc:picChg chg="add del mod">
-          <ac:chgData name="Wu Shaofeng" userId="16cc59afe9483dd5" providerId="LiveId" clId="{086831F4-73F0-4B2A-9E99-CFE60BABC8FC}" dt="2023-02-15T08:15:20.690" v="679" actId="478"/>
-          <ac:picMkLst>
-            <pc:docMk/>
-            <pc:sldMk cId="2513592794" sldId="316"/>
-            <ac:picMk id="15" creationId="{AA6DCDEE-B5EC-1EDB-D08F-CEA0C8C8958A}"/>
-          </ac:picMkLst>
-        </pc:picChg>
-        <pc:cxnChg chg="add del mod">
-          <ac:chgData name="Wu Shaofeng" userId="16cc59afe9483dd5" providerId="LiveId" clId="{086831F4-73F0-4B2A-9E99-CFE60BABC8FC}" dt="2023-02-15T08:20:06.829" v="784" actId="11529"/>
-          <ac:cxnSpMkLst>
-            <pc:docMk/>
-            <pc:sldMk cId="2513592794" sldId="316"/>
-            <ac:cxnSpMk id="23" creationId="{65F79033-ADED-91E4-33BF-8B36C6CD424F}"/>
-          </ac:cxnSpMkLst>
-        </pc:cxnChg>
-        <pc:cxnChg chg="add">
-          <ac:chgData name="Wu Shaofeng" userId="16cc59afe9483dd5" providerId="LiveId" clId="{086831F4-73F0-4B2A-9E99-CFE60BABC8FC}" dt="2023-02-15T08:20:15.084" v="785" actId="11529"/>
-          <ac:cxnSpMkLst>
-            <pc:docMk/>
-            <pc:sldMk cId="2513592794" sldId="316"/>
-            <ac:cxnSpMk id="25" creationId="{B0A62618-ED55-5CDD-77BC-AD36116462C8}"/>
-          </ac:cxnSpMkLst>
-        </pc:cxnChg>
-        <pc:cxnChg chg="add mod">
-          <ac:chgData name="Wu Shaofeng" userId="16cc59afe9483dd5" providerId="LiveId" clId="{086831F4-73F0-4B2A-9E99-CFE60BABC8FC}" dt="2023-02-15T08:20:26.728" v="789" actId="14100"/>
-          <ac:cxnSpMkLst>
-            <pc:docMk/>
-            <pc:sldMk cId="2513592794" sldId="316"/>
-            <ac:cxnSpMk id="26" creationId="{1112002F-C08F-19EB-04F1-14C92685F589}"/>
-          </ac:cxnSpMkLst>
-        </pc:cxnChg>
-        <pc:cxnChg chg="add mod">
-          <ac:chgData name="Wu Shaofeng" userId="16cc59afe9483dd5" providerId="LiveId" clId="{086831F4-73F0-4B2A-9E99-CFE60BABC8FC}" dt="2023-02-15T08:21:16.635" v="806" actId="692"/>
-          <ac:cxnSpMkLst>
-            <pc:docMk/>
-            <pc:sldMk cId="2513592794" sldId="316"/>
-            <ac:cxnSpMk id="29" creationId="{7D9E2665-144F-60C3-7DD7-69A7A33B715D}"/>
-          </ac:cxnSpMkLst>
-        </pc:cxnChg>
-        <pc:cxnChg chg="add mod">
-          <ac:chgData name="Wu Shaofeng" userId="16cc59afe9483dd5" providerId="LiveId" clId="{086831F4-73F0-4B2A-9E99-CFE60BABC8FC}" dt="2023-02-15T08:21:16.635" v="806" actId="692"/>
-          <ac:cxnSpMkLst>
-            <pc:docMk/>
-            <pc:sldMk cId="2513592794" sldId="316"/>
-            <ac:cxnSpMk id="30" creationId="{B8CCE475-B97A-0F2A-4EFF-13F931E6C6D5}"/>
-          </ac:cxnSpMkLst>
-        </pc:cxnChg>
-        <pc:cxnChg chg="add del mod">
-          <ac:chgData name="Wu Shaofeng" userId="16cc59afe9483dd5" providerId="LiveId" clId="{086831F4-73F0-4B2A-9E99-CFE60BABC8FC}" dt="2023-02-15T08:25:13.051" v="907" actId="478"/>
-          <ac:cxnSpMkLst>
-            <pc:docMk/>
-            <pc:sldMk cId="2513592794" sldId="316"/>
-            <ac:cxnSpMk id="37" creationId="{565EEB70-C0D9-6B61-021E-53EFA1A064F5}"/>
-          </ac:cxnSpMkLst>
-        </pc:cxnChg>
-      </pc:sldChg>
-      <pc:sldChg chg="addSp delSp modSp add mod">
-        <pc:chgData name="Wu Shaofeng" userId="16cc59afe9483dd5" providerId="LiveId" clId="{086831F4-73F0-4B2A-9E99-CFE60BABC8FC}" dt="2023-02-15T08:27:00.092" v="1010" actId="1035"/>
-        <pc:sldMkLst>
-          <pc:docMk/>
-          <pc:sldMk cId="1491679728" sldId="317"/>
-        </pc:sldMkLst>
-        <pc:spChg chg="add mod">
-          <ac:chgData name="Wu Shaofeng" userId="16cc59afe9483dd5" providerId="LiveId" clId="{086831F4-73F0-4B2A-9E99-CFE60BABC8FC}" dt="2023-02-15T08:27:00.092" v="1010" actId="1035"/>
-          <ac:spMkLst>
-            <pc:docMk/>
-            <pc:sldMk cId="1491679728" sldId="317"/>
-            <ac:spMk id="6" creationId="{3F7EBED2-B614-FB33-7DC9-37DD3C988945}"/>
-          </ac:spMkLst>
-        </pc:spChg>
-        <pc:spChg chg="add mod">
-          <ac:chgData name="Wu Shaofeng" userId="16cc59afe9483dd5" providerId="LiveId" clId="{086831F4-73F0-4B2A-9E99-CFE60BABC8FC}" dt="2023-02-15T08:27:00.092" v="1010" actId="1035"/>
-          <ac:spMkLst>
-            <pc:docMk/>
-            <pc:sldMk cId="1491679728" sldId="317"/>
-            <ac:spMk id="7" creationId="{6591CD88-19EC-73E1-BF27-59A6232BE882}"/>
-          </ac:spMkLst>
-        </pc:spChg>
-        <pc:spChg chg="add mod">
-          <ac:chgData name="Wu Shaofeng" userId="16cc59afe9483dd5" providerId="LiveId" clId="{086831F4-73F0-4B2A-9E99-CFE60BABC8FC}" dt="2023-02-15T08:27:00.092" v="1010" actId="1035"/>
-          <ac:spMkLst>
-            <pc:docMk/>
-            <pc:sldMk cId="1491679728" sldId="317"/>
-            <ac:spMk id="8" creationId="{6995A5C5-D15F-66FC-527B-511F94BE8D26}"/>
-          </ac:spMkLst>
-        </pc:spChg>
-        <pc:spChg chg="del">
-          <ac:chgData name="Wu Shaofeng" userId="16cc59afe9483dd5" providerId="LiveId" clId="{086831F4-73F0-4B2A-9E99-CFE60BABC8FC}" dt="2023-02-15T08:15:19.107" v="678" actId="478"/>
-          <ac:spMkLst>
-            <pc:docMk/>
-            <pc:sldMk cId="1491679728" sldId="317"/>
-            <ac:spMk id="9" creationId="{752389F3-45A2-11FF-5615-5E668B9C9B08}"/>
-          </ac:spMkLst>
-        </pc:spChg>
-        <pc:spChg chg="mod">
-          <ac:chgData name="Wu Shaofeng" userId="16cc59afe9483dd5" providerId="LiveId" clId="{086831F4-73F0-4B2A-9E99-CFE60BABC8FC}" dt="2023-02-15T08:22:28.645" v="833" actId="403"/>
-          <ac:spMkLst>
-            <pc:docMk/>
-            <pc:sldMk cId="1491679728" sldId="317"/>
-            <ac:spMk id="10" creationId="{A092B9F4-E692-FBAC-96CC-0E9961957F28}"/>
-          </ac:spMkLst>
-        </pc:spChg>
-        <pc:spChg chg="add mod">
-          <ac:chgData name="Wu Shaofeng" userId="16cc59afe9483dd5" providerId="LiveId" clId="{086831F4-73F0-4B2A-9E99-CFE60BABC8FC}" dt="2023-02-15T08:27:00.092" v="1010" actId="1035"/>
-          <ac:spMkLst>
-            <pc:docMk/>
-            <pc:sldMk cId="1491679728" sldId="317"/>
-            <ac:spMk id="29" creationId="{E7CC0AFF-EA52-D73B-0A69-E38CD462AA36}"/>
-          </ac:spMkLst>
-        </pc:spChg>
-        <pc:spChg chg="add mod">
-          <ac:chgData name="Wu Shaofeng" userId="16cc59afe9483dd5" providerId="LiveId" clId="{086831F4-73F0-4B2A-9E99-CFE60BABC8FC}" dt="2023-02-15T08:27:00.092" v="1010" actId="1035"/>
-          <ac:spMkLst>
-            <pc:docMk/>
-            <pc:sldMk cId="1491679728" sldId="317"/>
-            <ac:spMk id="30" creationId="{F584ADE1-9686-28F6-1FE2-DD2FD4CCC2A7}"/>
-          </ac:spMkLst>
-        </pc:spChg>
-        <pc:spChg chg="add mod">
-          <ac:chgData name="Wu Shaofeng" userId="16cc59afe9483dd5" providerId="LiveId" clId="{086831F4-73F0-4B2A-9E99-CFE60BABC8FC}" dt="2023-02-15T08:27:00.092" v="1010" actId="1035"/>
-          <ac:spMkLst>
-            <pc:docMk/>
-            <pc:sldMk cId="1491679728" sldId="317"/>
-            <ac:spMk id="32" creationId="{21800FD8-0C10-2F26-86BE-F1861A5461BC}"/>
-          </ac:spMkLst>
-        </pc:spChg>
-        <pc:spChg chg="add mod">
-          <ac:chgData name="Wu Shaofeng" userId="16cc59afe9483dd5" providerId="LiveId" clId="{086831F4-73F0-4B2A-9E99-CFE60BABC8FC}" dt="2023-02-15T08:27:00.092" v="1010" actId="1035"/>
-          <ac:spMkLst>
-            <pc:docMk/>
-            <pc:sldMk cId="1491679728" sldId="317"/>
-            <ac:spMk id="34" creationId="{8FD812F3-FA3A-3FC9-879C-D757AC6FEA3C}"/>
-          </ac:spMkLst>
-        </pc:spChg>
-        <pc:graphicFrameChg chg="mod modGraphic">
-          <ac:chgData name="Wu Shaofeng" userId="16cc59afe9483dd5" providerId="LiveId" clId="{086831F4-73F0-4B2A-9E99-CFE60BABC8FC}" dt="2023-02-15T08:27:00.092" v="1010" actId="1035"/>
-          <ac:graphicFrameMkLst>
-            <pc:docMk/>
-            <pc:sldMk cId="1491679728" sldId="317"/>
-            <ac:graphicFrameMk id="3" creationId="{D2C7E8CF-9290-CD6A-E31F-AD6BBA3C398C}"/>
-          </ac:graphicFrameMkLst>
-        </pc:graphicFrameChg>
-        <pc:graphicFrameChg chg="del">
-          <ac:chgData name="Wu Shaofeng" userId="16cc59afe9483dd5" providerId="LiveId" clId="{086831F4-73F0-4B2A-9E99-CFE60BABC8FC}" dt="2023-02-15T08:15:17.141" v="677" actId="478"/>
-          <ac:graphicFrameMkLst>
-            <pc:docMk/>
-            <pc:sldMk cId="1491679728" sldId="317"/>
-            <ac:graphicFrameMk id="5" creationId="{B7C72ABB-DFC9-F1C5-313D-EECC60F6F1A9}"/>
-          </ac:graphicFrameMkLst>
-        </pc:graphicFrameChg>
-        <pc:graphicFrameChg chg="mod modGraphic">
-          <ac:chgData name="Wu Shaofeng" userId="16cc59afe9483dd5" providerId="LiveId" clId="{086831F4-73F0-4B2A-9E99-CFE60BABC8FC}" dt="2023-02-15T08:27:00.092" v="1010" actId="1035"/>
-          <ac:graphicFrameMkLst>
-            <pc:docMk/>
-            <pc:sldMk cId="1491679728" sldId="317"/>
-            <ac:graphicFrameMk id="16" creationId="{66493F86-1C84-399F-4F9E-B6236D0881E4}"/>
-          </ac:graphicFrameMkLst>
-        </pc:graphicFrameChg>
-        <pc:graphicFrameChg chg="mod modGraphic">
-          <ac:chgData name="Wu Shaofeng" userId="16cc59afe9483dd5" providerId="LiveId" clId="{086831F4-73F0-4B2A-9E99-CFE60BABC8FC}" dt="2023-02-15T08:27:00.092" v="1010" actId="1035"/>
-          <ac:graphicFrameMkLst>
-            <pc:docMk/>
-            <pc:sldMk cId="1491679728" sldId="317"/>
-            <ac:graphicFrameMk id="17" creationId="{B8A383D0-CB64-2E32-031E-47A9504DBC93}"/>
-          </ac:graphicFrameMkLst>
-        </pc:graphicFrameChg>
-        <pc:graphicFrameChg chg="add mod">
-          <ac:chgData name="Wu Shaofeng" userId="16cc59afe9483dd5" providerId="LiveId" clId="{086831F4-73F0-4B2A-9E99-CFE60BABC8FC}" dt="2023-02-15T08:27:00.092" v="1010" actId="1035"/>
-          <ac:graphicFrameMkLst>
-            <pc:docMk/>
-            <pc:sldMk cId="1491679728" sldId="317"/>
-            <ac:graphicFrameMk id="28" creationId="{2AFE6B85-232D-559B-8CBD-1B50D33F41D0}"/>
-          </ac:graphicFrameMkLst>
-        </pc:graphicFrameChg>
-        <pc:picChg chg="mod">
-          <ac:chgData name="Wu Shaofeng" userId="16cc59afe9483dd5" providerId="LiveId" clId="{086831F4-73F0-4B2A-9E99-CFE60BABC8FC}" dt="2023-02-15T08:27:00.092" v="1010" actId="1035"/>
-          <ac:picMkLst>
-            <pc:docMk/>
-            <pc:sldMk cId="1491679728" sldId="317"/>
-            <ac:picMk id="2" creationId="{198BB969-2045-BBBA-3439-3EEC2BE41102}"/>
-          </ac:picMkLst>
-        </pc:picChg>
-        <pc:picChg chg="mod">
-          <ac:chgData name="Wu Shaofeng" userId="16cc59afe9483dd5" providerId="LiveId" clId="{086831F4-73F0-4B2A-9E99-CFE60BABC8FC}" dt="2023-02-15T08:27:00.092" v="1010" actId="1035"/>
-          <ac:picMkLst>
-            <pc:docMk/>
-            <pc:sldMk cId="1491679728" sldId="317"/>
-            <ac:picMk id="15" creationId="{AA6DCDEE-B5EC-1EDB-D08F-CEA0C8C8958A}"/>
-          </ac:picMkLst>
-        </pc:picChg>
-        <pc:cxnChg chg="add mod">
-          <ac:chgData name="Wu Shaofeng" userId="16cc59afe9483dd5" providerId="LiveId" clId="{086831F4-73F0-4B2A-9E99-CFE60BABC8FC}" dt="2023-02-15T08:27:00.092" v="1010" actId="1035"/>
-          <ac:cxnSpMkLst>
-            <pc:docMk/>
-            <pc:sldMk cId="1491679728" sldId="317"/>
-            <ac:cxnSpMk id="11" creationId="{FD349BA9-34DD-881F-FFF1-FCBACFBE348A}"/>
-          </ac:cxnSpMkLst>
-        </pc:cxnChg>
-        <pc:cxnChg chg="add mod">
-          <ac:chgData name="Wu Shaofeng" userId="16cc59afe9483dd5" providerId="LiveId" clId="{086831F4-73F0-4B2A-9E99-CFE60BABC8FC}" dt="2023-02-15T08:27:00.092" v="1010" actId="1035"/>
-          <ac:cxnSpMkLst>
-            <pc:docMk/>
-            <pc:sldMk cId="1491679728" sldId="317"/>
-            <ac:cxnSpMk id="13" creationId="{9F71FD87-132B-5C53-D9FC-9CF909DB735B}"/>
-          </ac:cxnSpMkLst>
-        </pc:cxnChg>
-        <pc:cxnChg chg="add mod">
-          <ac:chgData name="Wu Shaofeng" userId="16cc59afe9483dd5" providerId="LiveId" clId="{086831F4-73F0-4B2A-9E99-CFE60BABC8FC}" dt="2023-02-15T08:27:00.092" v="1010" actId="1035"/>
-          <ac:cxnSpMkLst>
-            <pc:docMk/>
-            <pc:sldMk cId="1491679728" sldId="317"/>
-            <ac:cxnSpMk id="21" creationId="{37D0EEE2-19BC-C6A1-D5F9-493BBC4088C6}"/>
-          </ac:cxnSpMkLst>
-        </pc:cxnChg>
-        <pc:cxnChg chg="add mod">
-          <ac:chgData name="Wu Shaofeng" userId="16cc59afe9483dd5" providerId="LiveId" clId="{086831F4-73F0-4B2A-9E99-CFE60BABC8FC}" dt="2023-02-15T08:27:00.092" v="1010" actId="1035"/>
-          <ac:cxnSpMkLst>
-            <pc:docMk/>
-            <pc:sldMk cId="1491679728" sldId="317"/>
-            <ac:cxnSpMk id="24" creationId="{9308CD27-175B-2986-5354-45199610E7CC}"/>
-          </ac:cxnSpMkLst>
-        </pc:cxnChg>
-        <pc:cxnChg chg="add mod">
-          <ac:chgData name="Wu Shaofeng" userId="16cc59afe9483dd5" providerId="LiveId" clId="{086831F4-73F0-4B2A-9E99-CFE60BABC8FC}" dt="2023-02-15T08:27:00.092" v="1010" actId="1035"/>
-          <ac:cxnSpMkLst>
-            <pc:docMk/>
-            <pc:sldMk cId="1491679728" sldId="317"/>
-            <ac:cxnSpMk id="31" creationId="{24E58E19-B56B-DF7A-0707-6B44CB0A17E1}"/>
-          </ac:cxnSpMkLst>
-        </pc:cxnChg>
-        <pc:cxnChg chg="add mod">
-          <ac:chgData name="Wu Shaofeng" userId="16cc59afe9483dd5" providerId="LiveId" clId="{086831F4-73F0-4B2A-9E99-CFE60BABC8FC}" dt="2023-02-15T08:27:00.092" v="1010" actId="1035"/>
-          <ac:cxnSpMkLst>
-            <pc:docMk/>
-            <pc:sldMk cId="1491679728" sldId="317"/>
-            <ac:cxnSpMk id="33" creationId="{87E75CF4-0B38-F6AE-6948-0753D1C10F74}"/>
-          </ac:cxnSpMkLst>
-        </pc:cxnChg>
-        <pc:cxnChg chg="add mod">
-          <ac:chgData name="Wu Shaofeng" userId="16cc59afe9483dd5" providerId="LiveId" clId="{086831F4-73F0-4B2A-9E99-CFE60BABC8FC}" dt="2023-02-15T08:27:00.092" v="1010" actId="1035"/>
-          <ac:cxnSpMkLst>
-            <pc:docMk/>
-            <pc:sldMk cId="1491679728" sldId="317"/>
-            <ac:cxnSpMk id="35" creationId="{0712C6A5-07E0-1B26-407B-CEDA7D196982}"/>
-          </ac:cxnSpMkLst>
-        </pc:cxnChg>
-      </pc:sldChg>
-      <pc:sldChg chg="add del">
-        <pc:chgData name="Wu Shaofeng" userId="16cc59afe9483dd5" providerId="LiveId" clId="{086831F4-73F0-4B2A-9E99-CFE60BABC8FC}" dt="2023-02-15T08:22:16.741" v="827" actId="47"/>
-        <pc:sldMkLst>
-          <pc:docMk/>
-          <pc:sldMk cId="3077859843" sldId="318"/>
-        </pc:sldMkLst>
-      </pc:sldChg>
-    </pc:docChg>
-  </pc:docChgLst>
 </pc:chgInfo>
 </file>
 
@@ -2205,7 +2205,7 @@
           <a:p>
             <a:fld id="{90751E9F-A845-4914-A3CC-CC345012599B}" type="datetimeFigureOut">
               <a:rPr lang="en-US" smtClean="0"/>
-              <a:t>2/15/2023</a:t>
+              <a:t>2/16/2023</a:t>
             </a:fld>
             <a:endParaRPr lang="en-US"/>
           </a:p>
@@ -4554,7 +4554,7 @@
           <a:p>
             <a:fld id="{2BC46B07-C44E-4000-8B7A-1B9F5FADE757}" type="datetimeFigureOut">
               <a:rPr lang="en-US" smtClean="0"/>
-              <a:t>2/15/2023</a:t>
+              <a:t>2/16/2023</a:t>
             </a:fld>
             <a:endParaRPr lang="en-US"/>
           </a:p>
@@ -4754,7 +4754,7 @@
           <a:p>
             <a:fld id="{2BC46B07-C44E-4000-8B7A-1B9F5FADE757}" type="datetimeFigureOut">
               <a:rPr lang="en-US" smtClean="0"/>
-              <a:t>2/15/2023</a:t>
+              <a:t>2/16/2023</a:t>
             </a:fld>
             <a:endParaRPr lang="en-US"/>
           </a:p>
@@ -4964,7 +4964,7 @@
           <a:p>
             <a:fld id="{2BC46B07-C44E-4000-8B7A-1B9F5FADE757}" type="datetimeFigureOut">
               <a:rPr lang="en-US" smtClean="0"/>
-              <a:t>2/15/2023</a:t>
+              <a:t>2/16/2023</a:t>
             </a:fld>
             <a:endParaRPr lang="en-US"/>
           </a:p>
@@ -5164,7 +5164,7 @@
           <a:p>
             <a:fld id="{2BC46B07-C44E-4000-8B7A-1B9F5FADE757}" type="datetimeFigureOut">
               <a:rPr lang="en-US" smtClean="0"/>
-              <a:t>2/15/2023</a:t>
+              <a:t>2/16/2023</a:t>
             </a:fld>
             <a:endParaRPr lang="en-US"/>
           </a:p>
@@ -5440,7 +5440,7 @@
           <a:p>
             <a:fld id="{2BC46B07-C44E-4000-8B7A-1B9F5FADE757}" type="datetimeFigureOut">
               <a:rPr lang="en-US" smtClean="0"/>
-              <a:t>2/15/2023</a:t>
+              <a:t>2/16/2023</a:t>
             </a:fld>
             <a:endParaRPr lang="en-US"/>
           </a:p>
@@ -5708,7 +5708,7 @@
           <a:p>
             <a:fld id="{2BC46B07-C44E-4000-8B7A-1B9F5FADE757}" type="datetimeFigureOut">
               <a:rPr lang="en-US" smtClean="0"/>
-              <a:t>2/15/2023</a:t>
+              <a:t>2/16/2023</a:t>
             </a:fld>
             <a:endParaRPr lang="en-US"/>
           </a:p>
@@ -6123,7 +6123,7 @@
           <a:p>
             <a:fld id="{2BC46B07-C44E-4000-8B7A-1B9F5FADE757}" type="datetimeFigureOut">
               <a:rPr lang="en-US" smtClean="0"/>
-              <a:t>2/15/2023</a:t>
+              <a:t>2/16/2023</a:t>
             </a:fld>
             <a:endParaRPr lang="en-US"/>
           </a:p>
@@ -6265,7 +6265,7 @@
           <a:p>
             <a:fld id="{2BC46B07-C44E-4000-8B7A-1B9F5FADE757}" type="datetimeFigureOut">
               <a:rPr lang="en-US" smtClean="0"/>
-              <a:t>2/15/2023</a:t>
+              <a:t>2/16/2023</a:t>
             </a:fld>
             <a:endParaRPr lang="en-US"/>
           </a:p>
@@ -6378,7 +6378,7 @@
           <a:p>
             <a:fld id="{2BC46B07-C44E-4000-8B7A-1B9F5FADE757}" type="datetimeFigureOut">
               <a:rPr lang="en-US" smtClean="0"/>
-              <a:t>2/15/2023</a:t>
+              <a:t>2/16/2023</a:t>
             </a:fld>
             <a:endParaRPr lang="en-US"/>
           </a:p>
@@ -6691,7 +6691,7 @@
           <a:p>
             <a:fld id="{2BC46B07-C44E-4000-8B7A-1B9F5FADE757}" type="datetimeFigureOut">
               <a:rPr lang="en-US" smtClean="0"/>
-              <a:t>2/15/2023</a:t>
+              <a:t>2/16/2023</a:t>
             </a:fld>
             <a:endParaRPr lang="en-US"/>
           </a:p>
@@ -6980,7 +6980,7 @@
           <a:p>
             <a:fld id="{2BC46B07-C44E-4000-8B7A-1B9F5FADE757}" type="datetimeFigureOut">
               <a:rPr lang="en-US" smtClean="0"/>
-              <a:t>2/15/2023</a:t>
+              <a:t>2/16/2023</a:t>
             </a:fld>
             <a:endParaRPr lang="en-US"/>
           </a:p>
@@ -7223,7 +7223,7 @@
           <a:p>
             <a:fld id="{2BC46B07-C44E-4000-8B7A-1B9F5FADE757}" type="datetimeFigureOut">
               <a:rPr lang="en-US" smtClean="0"/>
-              <a:t>2/15/2023</a:t>
+              <a:t>2/16/2023</a:t>
             </a:fld>
             <a:endParaRPr lang="en-US"/>
           </a:p>
@@ -12129,6 +12129,70 @@
           </a:p>
         </p:txBody>
       </p:sp>
+      <p:sp>
+        <p:nvSpPr>
+          <p:cNvPr id="3" name="TextBox 1">
+            <a:extLst>
+              <a:ext uri="{FF2B5EF4-FFF2-40B4-BE49-F238E27FC236}">
+                <a16:creationId xmlns:a16="http://schemas.microsoft.com/office/drawing/2014/main" id="{D0E84E01-048C-8EC7-03DC-DBB06C88FE0A}"/>
+              </a:ext>
+            </a:extLst>
+          </p:cNvPr>
+          <p:cNvSpPr txBox="1"/>
+          <p:nvPr/>
+        </p:nvSpPr>
+        <p:spPr>
+          <a:xfrm>
+            <a:off x="6648450" y="162568"/>
+            <a:ext cx="3429144" cy="400110"/>
+          </a:xfrm>
+          <a:prstGeom prst="rect">
+            <a:avLst/>
+          </a:prstGeom>
+          <a:noFill/>
+        </p:spPr>
+        <p:txBody>
+          <a:bodyPr wrap="none" rtlCol="0">
+            <a:spAutoFit/>
+          </a:bodyPr>
+          <a:lstStyle/>
+          <a:p>
+            <a:r>
+              <a:rPr lang="en-HK" sz="2000" b="1" dirty="0" err="1">
+                <a:latin typeface="Consolas" panose="020B0609020204030204" pitchFamily="49" charset="0"/>
+              </a:rPr>
+              <a:t>gcc</a:t>
+            </a:r>
+            <a:r>
+              <a:rPr lang="en-HK" sz="2000" b="1" dirty="0">
+                <a:latin typeface="Consolas" panose="020B0609020204030204" pitchFamily="49" charset="0"/>
+              </a:rPr>
+              <a:t> </a:t>
+            </a:r>
+            <a:r>
+              <a:rPr lang="en-HK" sz="2000" b="1" dirty="0" err="1">
+                <a:latin typeface="Consolas" panose="020B0609020204030204" pitchFamily="49" charset="0"/>
+              </a:rPr>
+              <a:t>example.c</a:t>
+            </a:r>
+            <a:r>
+              <a:rPr lang="en-HK" sz="2000" b="1" dirty="0">
+                <a:latin typeface="Consolas" panose="020B0609020204030204" pitchFamily="49" charset="0"/>
+              </a:rPr>
+              <a:t> -</a:t>
+            </a:r>
+            <a:r>
+              <a:rPr lang="en-HK" sz="2000" b="1" dirty="0" err="1">
+                <a:latin typeface="Consolas" panose="020B0609020204030204" pitchFamily="49" charset="0"/>
+              </a:rPr>
+              <a:t>lpthread</a:t>
+            </a:r>
+            <a:endParaRPr lang="en-HK" sz="2000" b="1" dirty="0">
+              <a:latin typeface="Consolas" panose="020B0609020204030204" pitchFamily="49" charset="0"/>
+            </a:endParaRPr>
+          </a:p>
+        </p:txBody>
+      </p:sp>
     </p:spTree>
     <p:extLst>
       <p:ext uri="{BB962C8B-B14F-4D97-AF65-F5344CB8AC3E}">
@@ -22502,7 +22566,7 @@
             </a:r>
           </a:p>
           <a:p>
-            <a:pPr marL="914400" lvl="1" indent="-457200">
+            <a:pPr marL="457200" indent="-457200">
               <a:buFont typeface="Arial" panose="020B0604020202020204" pitchFamily="34" charset="0"/>
               <a:buChar char="•"/>
             </a:pPr>

--- a/tutorial/T05/tut05.pptx
+++ b/tutorial/T05/tut05.pptx
@@ -5,7 +5,7 @@
     <p:sldMasterId id="2147483660" r:id="rId1"/>
   </p:sldMasterIdLst>
   <p:notesMasterIdLst>
-    <p:notesMasterId r:id="rId22"/>
+    <p:notesMasterId r:id="rId21"/>
   </p:notesMasterIdLst>
   <p:sldIdLst>
     <p:sldId id="613" r:id="rId2"/>
@@ -26,8 +26,7 @@
     <p:sldId id="655" r:id="rId17"/>
     <p:sldId id="656" r:id="rId18"/>
     <p:sldId id="645" r:id="rId19"/>
-    <p:sldId id="657" r:id="rId20"/>
-    <p:sldId id="634" r:id="rId21"/>
+    <p:sldId id="634" r:id="rId20"/>
   </p:sldIdLst>
   <p:sldSz cx="12192000" cy="6858000"/>
   <p:notesSz cx="6858000" cy="9144000"/>
@@ -132,14 +131,6 @@
     </p:ext>
   </p:extLst>
 </p:presentation>
-</file>
-
-<file path=ppt/revisionInfo.xml><?xml version="1.0" encoding="utf-8"?>
-<p1510:revInfo xmlns:a="http://schemas.openxmlformats.org/drawingml/2006/main" xmlns:r="http://schemas.openxmlformats.org/officeDocument/2006/relationships" xmlns:p1510="http://schemas.microsoft.com/office/powerpoint/2015/10/main">
-  <p1510:revLst>
-    <p1510:client id="{7FD6641B-B20E-440C-9CED-6BEEFC5E54F0}" v="54" dt="2024-09-30T13:08:35.629"/>
-  </p1510:revLst>
-</p1510:revInfo>
 </file>
 
 <file path=ppt/changesInfos/changesInfo1.xml><?xml version="1.0" encoding="utf-8"?>
@@ -2680,6 +2671,37 @@
       </pc:sldChg>
     </pc:docChg>
   </pc:docChgLst>
+  <pc:docChgLst>
+    <pc:chgData name="LI, Jianqiang" userId="cff57bb5-6b3d-420f-8247-78e7019450b8" providerId="ADAL" clId="{939F1F54-1ECF-41BA-81F6-AA77C1B9D0EB}"/>
+    <pc:docChg chg="delSld modSld">
+      <pc:chgData name="LI, Jianqiang" userId="cff57bb5-6b3d-420f-8247-78e7019450b8" providerId="ADAL" clId="{939F1F54-1ECF-41BA-81F6-AA77C1B9D0EB}" dt="2024-10-02T03:16:03.426" v="9" actId="47"/>
+      <pc:docMkLst>
+        <pc:docMk/>
+      </pc:docMkLst>
+      <pc:sldChg chg="modSp mod">
+        <pc:chgData name="LI, Jianqiang" userId="cff57bb5-6b3d-420f-8247-78e7019450b8" providerId="ADAL" clId="{939F1F54-1ECF-41BA-81F6-AA77C1B9D0EB}" dt="2024-10-02T03:12:46.278" v="8" actId="20577"/>
+        <pc:sldMkLst>
+          <pc:docMk/>
+          <pc:sldMk cId="2808513160" sldId="613"/>
+        </pc:sldMkLst>
+        <pc:spChg chg="mod">
+          <ac:chgData name="LI, Jianqiang" userId="cff57bb5-6b3d-420f-8247-78e7019450b8" providerId="ADAL" clId="{939F1F54-1ECF-41BA-81F6-AA77C1B9D0EB}" dt="2024-10-02T03:12:46.278" v="8" actId="20577"/>
+          <ac:spMkLst>
+            <pc:docMk/>
+            <pc:sldMk cId="2808513160" sldId="613"/>
+            <ac:spMk id="3" creationId="{F8C13C63-B26A-4A9C-A1CA-724346AB2906}"/>
+          </ac:spMkLst>
+        </pc:spChg>
+      </pc:sldChg>
+      <pc:sldChg chg="del">
+        <pc:chgData name="LI, Jianqiang" userId="cff57bb5-6b3d-420f-8247-78e7019450b8" providerId="ADAL" clId="{939F1F54-1ECF-41BA-81F6-AA77C1B9D0EB}" dt="2024-10-02T03:16:03.426" v="9" actId="47"/>
+        <pc:sldMkLst>
+          <pc:docMk/>
+          <pc:sldMk cId="878596731" sldId="657"/>
+        </pc:sldMkLst>
+      </pc:sldChg>
+    </pc:docChg>
+  </pc:docChgLst>
 </pc:chgInfo>
 </file>
 
@@ -2765,7 +2787,7 @@
           <a:p>
             <a:fld id="{90751E9F-A845-4914-A3CC-CC345012599B}" type="datetimeFigureOut">
               <a:rPr lang="en-US" smtClean="0"/>
-              <a:t>9/30/2024</a:t>
+              <a:t>10/2/2024</a:t>
             </a:fld>
             <a:endParaRPr lang="en-US"/>
           </a:p>
@@ -3796,11 +3818,15 @@
           <a:bodyPr/>
           <a:lstStyle/>
           <a:p>
-            <a:pPr marL="0" indent="0">
-              <a:buNone/>
-            </a:pPr>
-            <a:endParaRPr lang="en-US" dirty="0">
-              <a:latin typeface="Gill Sans MT"/>
+            <a:pPr algn="ctr"/>
+            <a:endParaRPr lang="en-HK" sz="2400" dirty="0">
+              <a:solidFill>
+                <a:schemeClr val="tx1">
+                  <a:lumMod val="65000"/>
+                  <a:lumOff val="35000"/>
+                </a:schemeClr>
+              </a:solidFill>
+              <a:cs typeface="Helvetica" panose="020B0604020202020204" pitchFamily="34" charset="0"/>
             </a:endParaRPr>
           </a:p>
         </p:txBody>
@@ -3808,7 +3834,7 @@
     </p:spTree>
     <p:extLst>
       <p:ext uri="{BB962C8B-B14F-4D97-AF65-F5344CB8AC3E}">
-        <p14:creationId xmlns:p14="http://schemas.microsoft.com/office/powerpoint/2010/main" val="4217894620"/>
+        <p14:creationId xmlns:p14="http://schemas.microsoft.com/office/powerpoint/2010/main" val="1146177372"/>
       </p:ext>
     </p:extLst>
   </p:cSld>
@@ -3880,81 +3906,6 @@
     <p:extLst>
       <p:ext uri="{BB962C8B-B14F-4D97-AF65-F5344CB8AC3E}">
         <p14:creationId xmlns:p14="http://schemas.microsoft.com/office/powerpoint/2010/main" val="3173946386"/>
-      </p:ext>
-    </p:extLst>
-  </p:cSld>
-  <p:clrMapOvr>
-    <a:masterClrMapping/>
-  </p:clrMapOvr>
-</p:notes>
-</file>
-
-<file path=ppt/notesSlides/notesSlide20.xml><?xml version="1.0" encoding="utf-8"?>
-<p:notes xmlns:a="http://schemas.openxmlformats.org/drawingml/2006/main" xmlns:r="http://schemas.openxmlformats.org/officeDocument/2006/relationships" xmlns:p="http://schemas.openxmlformats.org/presentationml/2006/main">
-  <p:cSld>
-    <p:spTree>
-      <p:nvGrpSpPr>
-        <p:cNvPr id="1" name=""/>
-        <p:cNvGrpSpPr/>
-        <p:nvPr/>
-      </p:nvGrpSpPr>
-      <p:grpSpPr>
-        <a:xfrm>
-          <a:off x="0" y="0"/>
-          <a:ext cx="0" cy="0"/>
-          <a:chOff x="0" y="0"/>
-          <a:chExt cx="0" cy="0"/>
-        </a:xfrm>
-      </p:grpSpPr>
-      <p:sp>
-        <p:nvSpPr>
-          <p:cNvPr id="2" name="Slide Image Placeholder 1"/>
-          <p:cNvSpPr>
-            <a:spLocks noGrp="1" noRot="1" noChangeAspect="1"/>
-          </p:cNvSpPr>
-          <p:nvPr>
-            <p:ph type="sldImg"/>
-          </p:nvPr>
-        </p:nvSpPr>
-        <p:spPr>
-          <a:xfrm>
-            <a:off x="381000" y="685800"/>
-            <a:ext cx="6096000" cy="3429000"/>
-          </a:xfrm>
-        </p:spPr>
-      </p:sp>
-      <p:sp>
-        <p:nvSpPr>
-          <p:cNvPr id="3" name="Notes Placeholder 2"/>
-          <p:cNvSpPr>
-            <a:spLocks noGrp="1"/>
-          </p:cNvSpPr>
-          <p:nvPr>
-            <p:ph type="body" idx="1"/>
-          </p:nvPr>
-        </p:nvSpPr>
-        <p:spPr/>
-        <p:txBody>
-          <a:bodyPr/>
-          <a:lstStyle/>
-          <a:p>
-            <a:pPr algn="ctr"/>
-            <a:endParaRPr lang="en-HK" sz="2400" dirty="0">
-              <a:solidFill>
-                <a:schemeClr val="tx1">
-                  <a:lumMod val="65000"/>
-                  <a:lumOff val="35000"/>
-                </a:schemeClr>
-              </a:solidFill>
-              <a:cs typeface="Helvetica" panose="020B0604020202020204" pitchFamily="34" charset="0"/>
-            </a:endParaRPr>
-          </a:p>
-        </p:txBody>
-      </p:sp>
-    </p:spTree>
-    <p:extLst>
-      <p:ext uri="{BB962C8B-B14F-4D97-AF65-F5344CB8AC3E}">
-        <p14:creationId xmlns:p14="http://schemas.microsoft.com/office/powerpoint/2010/main" val="1146177372"/>
       </p:ext>
     </p:extLst>
   </p:cSld>
@@ -5398,7 +5349,7 @@
           <a:p>
             <a:fld id="{4110DD41-9B81-A544-8498-92133950A0E4}" type="datetime1">
               <a:rPr lang="en-US" smtClean="0"/>
-              <a:t>9/30/2024</a:t>
+              <a:t>10/2/2024</a:t>
             </a:fld>
             <a:endParaRPr lang="en-US"/>
           </a:p>
@@ -6840,7 +6791,7 @@
           </a:ln>
           <a:extLst>
             <a:ext uri="{C572A759-6A51-4108-AA02-DFA0A04FC94B}">
-              <ma14:wrappingTextBoxFlag xmlns:m="http://schemas.openxmlformats.org/officeDocument/2006/math" xmlns:a14="http://schemas.microsoft.com/office/drawing/2010/main" xmlns:ma14="http://schemas.microsoft.com/office/mac/drawingml/2011/main" xmlns="" val="1"/>
+              <ma14:wrappingTextBoxFlag xmlns="" xmlns:ma14="http://schemas.microsoft.com/office/mac/drawingml/2011/main" xmlns:a14="http://schemas.microsoft.com/office/drawing/2010/main" xmlns:m="http://schemas.openxmlformats.org/officeDocument/2006/math" val="1"/>
             </a:ext>
           </a:extLst>
         </p:spPr>
@@ -6879,7 +6830,7 @@
           </a:ln>
           <a:extLst>
             <a:ext uri="{C572A759-6A51-4108-AA02-DFA0A04FC94B}">
-              <ma14:wrappingTextBoxFlag xmlns:m="http://schemas.openxmlformats.org/officeDocument/2006/math" xmlns:a14="http://schemas.microsoft.com/office/drawing/2010/main" xmlns:ma14="http://schemas.microsoft.com/office/mac/drawingml/2011/main" xmlns="" val="1"/>
+              <ma14:wrappingTextBoxFlag xmlns="" xmlns:ma14="http://schemas.microsoft.com/office/mac/drawingml/2011/main" xmlns:a14="http://schemas.microsoft.com/office/drawing/2010/main" xmlns:m="http://schemas.openxmlformats.org/officeDocument/2006/math" val="1"/>
             </a:ext>
           </a:extLst>
         </p:spPr>
@@ -7791,9 +7742,8 @@
                     <a:lumMod val="95000"/>
                   </a:schemeClr>
                 </a:solidFill>
-                <a:latin typeface="Gill Sans MT" panose="020B0502020104020203" pitchFamily="34" charset="0"/>
-              </a:rPr>
-              <a:t>Sep </a:t>
+              </a:rPr>
+              <a:t>Oct</a:t>
             </a:r>
             <a:r>
               <a:rPr lang="nb-NO" altLang="zh-CN" dirty="0">
@@ -7802,19 +7752,9 @@
                     <a:lumMod val="95000"/>
                   </a:schemeClr>
                 </a:solidFill>
-              </a:rPr>
-              <a:t>26</a:t>
-            </a:r>
-            <a:r>
-              <a:rPr lang="nb-NO" altLang="zh-CN" dirty="0">
-                <a:solidFill>
-                  <a:schemeClr val="bg1">
-                    <a:lumMod val="95000"/>
-                  </a:schemeClr>
-                </a:solidFill>
                 <a:latin typeface="Gill Sans MT" panose="020B0502020104020203" pitchFamily="34" charset="0"/>
               </a:rPr>
-              <a:t>, 2024</a:t>
+              <a:t> 3, 2024</a:t>
             </a:r>
           </a:p>
         </p:txBody>
@@ -19687,124 +19627,70 @@
       </p:grpSpPr>
       <p:sp>
         <p:nvSpPr>
-          <p:cNvPr id="2" name="Title 1">
+          <p:cNvPr id="7" name="TextBox 6">
             <a:extLst>
               <a:ext uri="{FF2B5EF4-FFF2-40B4-BE49-F238E27FC236}">
-                <a16:creationId xmlns:a16="http://schemas.microsoft.com/office/drawing/2014/main" id="{62715A2E-656D-EC5D-FDE7-230488526EFC}"/>
+                <a16:creationId xmlns:a16="http://schemas.microsoft.com/office/drawing/2014/main" id="{8D32768C-F15F-6E75-41D1-9F14D317D991}"/>
               </a:ext>
             </a:extLst>
           </p:cNvPr>
-          <p:cNvSpPr>
-            <a:spLocks noGrp="1"/>
-          </p:cNvSpPr>
-          <p:nvPr>
-            <p:ph type="title"/>
-          </p:nvPr>
-        </p:nvSpPr>
-        <p:spPr/>
-        <p:txBody>
-          <a:bodyPr/>
-          <a:lstStyle/>
-          <a:p>
-            <a:r>
-              <a:rPr lang="en-US" dirty="0"/>
-              <a:t>Lab Quiz via </a:t>
-            </a:r>
-            <a:r>
-              <a:rPr lang="en-US" dirty="0" err="1"/>
-              <a:t>Ureply</a:t>
-            </a:r>
-            <a:endParaRPr lang="en-US" dirty="0"/>
-          </a:p>
-        </p:txBody>
-      </p:sp>
-      <p:sp>
-        <p:nvSpPr>
-          <p:cNvPr id="4" name="Slide Number Placeholder 3">
-            <a:extLst>
-              <a:ext uri="{FF2B5EF4-FFF2-40B4-BE49-F238E27FC236}">
-                <a16:creationId xmlns:a16="http://schemas.microsoft.com/office/drawing/2014/main" id="{C903FAE4-3A59-50C4-1BA6-A9AEC61D52CB}"/>
-              </a:ext>
-            </a:extLst>
-          </p:cNvPr>
-          <p:cNvSpPr>
-            <a:spLocks noGrp="1"/>
-          </p:cNvSpPr>
-          <p:nvPr>
-            <p:ph type="sldNum" sz="quarter" idx="2"/>
-          </p:nvPr>
+          <p:cNvSpPr txBox="1"/>
+          <p:nvPr/>
         </p:nvSpPr>
         <p:spPr>
           <a:xfrm>
-            <a:off x="11686121" y="6400800"/>
-            <a:ext cx="218008" cy="379591"/>
+            <a:off x="779780" y="3128918"/>
+            <a:ext cx="10632440" cy="600164"/>
           </a:xfrm>
+          <a:prstGeom prst="rect">
+            <a:avLst/>
+          </a:prstGeom>
+          <a:noFill/>
+          <a:ln w="12700" cap="flat">
+            <a:noFill/>
+            <a:miter lim="400000"/>
+          </a:ln>
+          <a:effectLst/>
+          <a:sp3d/>
         </p:spPr>
+        <p:style>
+          <a:lnRef idx="0">
+            <a:scrgbClr r="0" g="0" b="0"/>
+          </a:lnRef>
+          <a:fillRef idx="0">
+            <a:scrgbClr r="0" g="0" b="0"/>
+          </a:fillRef>
+          <a:effectRef idx="0">
+            <a:scrgbClr r="0" g="0" b="0"/>
+          </a:effectRef>
+          <a:fontRef idx="none"/>
+        </p:style>
         <p:txBody>
-          <a:bodyPr/>
+          <a:bodyPr wrap="square">
+            <a:spAutoFit/>
+          </a:bodyPr>
           <a:lstStyle/>
           <a:p>
-            <a:pPr marL="0" marR="0" lvl="0" indent="0" algn="ctr" defTabSz="412750" rtl="0" eaLnBrk="1" fontAlgn="auto" latinLnBrk="0" hangingPunct="0">
-              <a:lnSpc>
-                <a:spcPct val="100000"/>
-              </a:lnSpc>
-              <a:spcBef>
-                <a:spcPts val="0"/>
-              </a:spcBef>
-              <a:spcAft>
-                <a:spcPts val="0"/>
-              </a:spcAft>
-              <a:buClrTx/>
-              <a:buSzTx/>
-              <a:buFontTx/>
-              <a:buNone/>
-              <a:tabLst/>
-              <a:defRPr/>
-            </a:pPr>
-            <a:fld id="{86CB4B4D-7CA3-9044-876B-883B54F8677D}" type="slidenum">
-              <a:rPr kumimoji="0" lang="en-US" sz="1800" b="0" i="0" u="none" strike="noStrike" kern="0" cap="none" spc="0" normalizeH="0" baseline="0" noProof="0">
-                <a:ln>
-                  <a:noFill/>
-                </a:ln>
-                <a:solidFill>
-                  <a:srgbClr val="800080"/>
-                </a:solidFill>
-                <a:effectLst/>
-                <a:uLnTx/>
-                <a:uFillTx/>
+            <a:pPr marL="0" lvl="1" algn="ctr" defTabSz="292100" hangingPunct="0"/>
+            <a:r>
+              <a:rPr lang="en-US" sz="3300" b="1" kern="0" dirty="0">
+                <a:solidFill>
+                  <a:srgbClr val="FFFFFF">
+                    <a:lumMod val="95000"/>
+                  </a:srgbClr>
+                </a:solidFill>
                 <a:latin typeface="Gill Sans MT" panose="020B0502020104020203" pitchFamily="34" charset="0"/>
                 <a:cs typeface="Helvetica"/>
                 <a:sym typeface="Helvetica"/>
               </a:rPr>
-              <a:pPr marL="0" marR="0" lvl="0" indent="0" algn="ctr" defTabSz="412750" rtl="0" eaLnBrk="1" fontAlgn="auto" latinLnBrk="0" hangingPunct="0">
-                <a:lnSpc>
-                  <a:spcPct val="100000"/>
-                </a:lnSpc>
-                <a:spcBef>
-                  <a:spcPts val="0"/>
-                </a:spcBef>
-                <a:spcAft>
-                  <a:spcPts val="0"/>
-                </a:spcAft>
-                <a:buClrTx/>
-                <a:buSzTx/>
-                <a:buFontTx/>
-                <a:buNone/>
-                <a:tabLst/>
-                <a:defRPr/>
-              </a:pPr>
-              <a:t>19</a:t>
-            </a:fld>
-            <a:endParaRPr kumimoji="0" lang="en-US" sz="1800" b="0" i="0" u="none" strike="noStrike" kern="0" cap="none" spc="0" normalizeH="0" baseline="0" noProof="0" dirty="0">
-              <a:ln>
-                <a:noFill/>
-              </a:ln>
+              <a:t>Q &amp; A</a:t>
+            </a:r>
+            <a:endParaRPr lang="en-US" sz="2800" b="1" kern="0" dirty="0">
               <a:solidFill>
-                <a:srgbClr val="800080"/>
+                <a:srgbClr val="FFFFFF">
+                  <a:lumMod val="95000"/>
+                </a:srgbClr>
               </a:solidFill>
-              <a:effectLst/>
-              <a:uLnTx/>
-              <a:uFillTx/>
               <a:latin typeface="Gill Sans MT" panose="020B0502020104020203" pitchFamily="34" charset="0"/>
               <a:cs typeface="Helvetica"/>
               <a:sym typeface="Helvetica"/>
@@ -19815,7 +19701,7 @@
     </p:spTree>
     <p:extLst>
       <p:ext uri="{BB962C8B-B14F-4D97-AF65-F5344CB8AC3E}">
-        <p14:creationId xmlns:p14="http://schemas.microsoft.com/office/powerpoint/2010/main" val="878596731"/>
+        <p14:creationId xmlns:p14="http://schemas.microsoft.com/office/powerpoint/2010/main" val="1187496923"/>
       </p:ext>
     </p:extLst>
   </p:cSld>
@@ -20106,110 +19992,6 @@
     <p:extLst>
       <p:ext uri="{BB962C8B-B14F-4D97-AF65-F5344CB8AC3E}">
         <p14:creationId xmlns:p14="http://schemas.microsoft.com/office/powerpoint/2010/main" val="4196136796"/>
-      </p:ext>
-    </p:extLst>
-  </p:cSld>
-  <p:clrMapOvr>
-    <a:masterClrMapping/>
-  </p:clrMapOvr>
-  <p:transition spd="med"/>
-</p:sld>
-</file>
-
-<file path=ppt/slides/slide20.xml><?xml version="1.0" encoding="utf-8"?>
-<p:sld xmlns:a="http://schemas.openxmlformats.org/drawingml/2006/main" xmlns:r="http://schemas.openxmlformats.org/officeDocument/2006/relationships" xmlns:p="http://schemas.openxmlformats.org/presentationml/2006/main">
-  <p:cSld>
-    <p:spTree>
-      <p:nvGrpSpPr>
-        <p:cNvPr id="1" name=""/>
-        <p:cNvGrpSpPr/>
-        <p:nvPr/>
-      </p:nvGrpSpPr>
-      <p:grpSpPr>
-        <a:xfrm>
-          <a:off x="0" y="0"/>
-          <a:ext cx="0" cy="0"/>
-          <a:chOff x="0" y="0"/>
-          <a:chExt cx="0" cy="0"/>
-        </a:xfrm>
-      </p:grpSpPr>
-      <p:sp>
-        <p:nvSpPr>
-          <p:cNvPr id="7" name="TextBox 6">
-            <a:extLst>
-              <a:ext uri="{FF2B5EF4-FFF2-40B4-BE49-F238E27FC236}">
-                <a16:creationId xmlns:a16="http://schemas.microsoft.com/office/drawing/2014/main" id="{8D32768C-F15F-6E75-41D1-9F14D317D991}"/>
-              </a:ext>
-            </a:extLst>
-          </p:cNvPr>
-          <p:cNvSpPr txBox="1"/>
-          <p:nvPr/>
-        </p:nvSpPr>
-        <p:spPr>
-          <a:xfrm>
-            <a:off x="779780" y="3128918"/>
-            <a:ext cx="10632440" cy="600164"/>
-          </a:xfrm>
-          <a:prstGeom prst="rect">
-            <a:avLst/>
-          </a:prstGeom>
-          <a:noFill/>
-          <a:ln w="12700" cap="flat">
-            <a:noFill/>
-            <a:miter lim="400000"/>
-          </a:ln>
-          <a:effectLst/>
-          <a:sp3d/>
-        </p:spPr>
-        <p:style>
-          <a:lnRef idx="0">
-            <a:scrgbClr r="0" g="0" b="0"/>
-          </a:lnRef>
-          <a:fillRef idx="0">
-            <a:scrgbClr r="0" g="0" b="0"/>
-          </a:fillRef>
-          <a:effectRef idx="0">
-            <a:scrgbClr r="0" g="0" b="0"/>
-          </a:effectRef>
-          <a:fontRef idx="none"/>
-        </p:style>
-        <p:txBody>
-          <a:bodyPr wrap="square">
-            <a:spAutoFit/>
-          </a:bodyPr>
-          <a:lstStyle/>
-          <a:p>
-            <a:pPr marL="0" lvl="1" algn="ctr" defTabSz="292100" hangingPunct="0"/>
-            <a:r>
-              <a:rPr lang="en-US" sz="3300" b="1" kern="0" dirty="0">
-                <a:solidFill>
-                  <a:srgbClr val="FFFFFF">
-                    <a:lumMod val="95000"/>
-                  </a:srgbClr>
-                </a:solidFill>
-                <a:latin typeface="Gill Sans MT" panose="020B0502020104020203" pitchFamily="34" charset="0"/>
-                <a:cs typeface="Helvetica"/>
-                <a:sym typeface="Helvetica"/>
-              </a:rPr>
-              <a:t>Q &amp; A</a:t>
-            </a:r>
-            <a:endParaRPr lang="en-US" sz="2800" b="1" kern="0" dirty="0">
-              <a:solidFill>
-                <a:srgbClr val="FFFFFF">
-                  <a:lumMod val="95000"/>
-                </a:srgbClr>
-              </a:solidFill>
-              <a:latin typeface="Gill Sans MT" panose="020B0502020104020203" pitchFamily="34" charset="0"/>
-              <a:cs typeface="Helvetica"/>
-              <a:sym typeface="Helvetica"/>
-            </a:endParaRPr>
-          </a:p>
-        </p:txBody>
-      </p:sp>
-    </p:spTree>
-    <p:extLst>
-      <p:ext uri="{BB962C8B-B14F-4D97-AF65-F5344CB8AC3E}">
-        <p14:creationId xmlns:p14="http://schemas.microsoft.com/office/powerpoint/2010/main" val="1187496923"/>
       </p:ext>
     </p:extLst>
   </p:cSld>
